--- a/old/precal2_8_01.pptx
+++ b/old/precal2_8_01.pptx
@@ -14,8 +14,6 @@
     <p:sldId id="259" r:id="rId11"/>
     <p:sldId id="260" r:id="rId12"/>
     <p:sldId id="261" r:id="rId13"/>
-    <p:sldId id="262" r:id="rId14"/>
-    <p:sldId id="263" r:id="rId15"/>
   </p:sldIdLst>
   <p:sldSz cx="9144000" cy="5143500"/>
   <p:notesSz cx="6858000" cy="9144000"/>
@@ -608,45 +606,36 @@
           <a:bodyPr/>
           <a:lstStyle/>
           <a:p>
-            <a:pPr marL="187157" indent="-187157">
-              <a:buSzPct val="100000"/>
-              <a:buAutoNum type="arabicPeriod" startAt="1"/>
-            </a:pPr>
-            <a:r>
-              <a:t>answers will vary, students might be unsure what is meant by a n% solution. explain on the board, with a drawing of a class (some percent medicine rest water)</a:t>
-            </a:r>
-          </a:p>
-          <a:p>
-            <a:pPr marL="187157" indent="-187157">
-              <a:buSzPct val="100000"/>
-              <a:buAutoNum type="arabicPeriod" startAt="1"/>
-            </a:pPr>
-            <a:r>
-              <a:t>Answers will vary. the stduent could recognize that this can be transformed into the system of linear equations below:</a:t>
-            </a:r>
-          </a:p>
-          <a:p>
             <a:pPr/>
+            <a:r>
+              <a:t>.</a:t>
+            </a:r>
           </a:p>
           <a:p>
             <a:pPr/>
             <a:r>
-              <a:t>x + y = 100</a:t>
+              <a:t>Using the def of det for a 2x2 matrix:</a:t>
             </a:r>
           </a:p>
           <a:p>
             <a:pPr/>
-            <a:r>
-              <a:t>0.02x + 0.04y = 2.5</a:t>
-            </a:r>
           </a:p>
           <a:p>
             <a:pPr/>
+            <a:r>
+              <a:t>X^2 -4  = 2</a:t>
+            </a:r>
           </a:p>
           <a:p>
             <a:pPr/>
             <a:r>
-              <a:t>where x represents the number of patients who take the 2% solution and y the rest. Then it can be solved in a variety of ways, including with matrix algebra.</a:t>
+              <a:t>x^2 = 6</a:t>
+            </a:r>
+          </a:p>
+          <a:p>
+            <a:pPr/>
+            <a:r>
+              <a:t>X = +/- sqrt(6)</a:t>
             </a:r>
           </a:p>
         </p:txBody>
@@ -678,7 +667,7 @@
       </p:grpSpPr>
       <p:sp>
         <p:nvSpPr>
-          <p:cNvPr id="202" name="Shape 202"/>
+          <p:cNvPr id="205" name="Shape 205"/>
           <p:cNvSpPr/>
           <p:nvPr>
             <p:ph type="sldImg"/>
@@ -699,7 +688,7 @@
       </p:sp>
       <p:sp>
         <p:nvSpPr>
-          <p:cNvPr id="203" name="Shape 203"/>
+          <p:cNvPr id="206" name="Shape 206"/>
           <p:cNvSpPr/>
           <p:nvPr>
             <p:ph type="body" sz="quarter" idx="1"/>
@@ -716,7 +705,40 @@
           <a:p>
             <a:pPr/>
             <a:r>
-              <a:t>The det is 0. It is not possible to find the inverse for this matrix. The inverse is the adjuster divided by the det which in this case is undefined.</a:t>
+              <a:t>see answer key for solutions</a:t>
+            </a:r>
+          </a:p>
+          <a:p>
+            <a:pPr/>
+          </a:p>
+          <a:p>
+            <a:pPr/>
+            <a:r>
+              <a:t>pre-planned questions:</a:t>
+            </a:r>
+          </a:p>
+          <a:p>
+            <a:pPr/>
+            <a:r>
+              <a:t>+How do you find the adjugate/determinant? use the formulas on the board!!!</a:t>
+            </a:r>
+          </a:p>
+          <a:p>
+            <a:pPr/>
+            <a:r>
+              <a:t>+How can I use the adjugate/determinant to find the inverese? adj(A)/det(A)</a:t>
+            </a:r>
+          </a:p>
+          <a:p>
+            <a:pPr/>
+            <a:r>
+              <a:t>+How do I convert to AX=B? A is the coefficient matrix, X reprsents the variables and B the solutions</a:t>
+            </a:r>
+          </a:p>
+          <a:p>
+            <a:pPr/>
+            <a:r>
+              <a:t>+Why can’t I just use substitution? Because we’re practicing using adjugates and determinates.  It might seem silly here, but with bigger matrices it will be a LOT easier.  </a:t>
             </a:r>
           </a:p>
         </p:txBody>
@@ -748,7 +770,7 @@
       </p:grpSpPr>
       <p:sp>
         <p:nvSpPr>
-          <p:cNvPr id="212" name="Shape 212"/>
+          <p:cNvPr id="211" name="Shape 211"/>
           <p:cNvSpPr/>
           <p:nvPr>
             <p:ph type="sldImg"/>
@@ -769,213 +791,7 @@
       </p:sp>
       <p:sp>
         <p:nvSpPr>
-          <p:cNvPr id="213" name="Shape 213"/>
-          <p:cNvSpPr/>
-          <p:nvPr>
-            <p:ph type="body" sz="quarter" idx="1"/>
-          </p:nvPr>
-        </p:nvSpPr>
-        <p:spPr>
-          <a:prstGeom prst="rect">
-            <a:avLst/>
-          </a:prstGeom>
-        </p:spPr>
-        <p:txBody>
-          <a:bodyPr/>
-          <a:lstStyle/>
-          <a:p>
-            <a:pPr/>
-            <a:r>
-              <a:t>PP#1: M_11 = det ( [ -1 2, 0 1]) = -3</a:t>
-            </a:r>
-          </a:p>
-          <a:p>
-            <a:pPr/>
-            <a:r>
-              <a:t>     </a:t>
-            </a:r>
-          </a:p>
-          <a:p>
-            <a:pPr/>
-            <a:r>
-              <a:t>M_23 = det ( [ 0 2, 4 0]) = -8</a:t>
-            </a:r>
-          </a:p>
-          <a:p>
-            <a:pPr/>
-          </a:p>
-          <a:p>
-            <a:pPr/>
-            <a:r>
-              <a:t>PP2 </a:t>
-            </a:r>
-          </a:p>
-          <a:p>
-            <a:pPr/>
-            <a:r>
-              <a:t>C_11 = (-1)^{2) M_11 = -3</a:t>
-            </a:r>
-          </a:p>
-          <a:p>
-            <a:pPr/>
-            <a:r>
-              <a:t>C_23 = -M_23 = 8</a:t>
-            </a:r>
-          </a:p>
-        </p:txBody>
-      </p:sp>
-    </p:spTree>
-  </p:cSld>
-  <p:clrMapOvr>
-    <a:masterClrMapping/>
-  </p:clrMapOvr>
-</p:notes>
-</file>
-
-<file path=ppt/notesSlides/notesSlide5.xml><?xml version="1.0" encoding="utf-8"?>
-<p:notes xmlns:a="http://schemas.openxmlformats.org/drawingml/2006/main" xmlns:r="http://schemas.openxmlformats.org/officeDocument/2006/relationships" xmlns:p="http://schemas.openxmlformats.org/presentationml/2006/main" xmlns:m="http://schemas.openxmlformats.org/officeDocument/2006/math" xmlns:a14="http://schemas.microsoft.com/office/drawing/2010/main" showMasterSp="1" showMasterPhAnim="1">
-  <p:cSld>
-    <p:spTree>
-      <p:nvGrpSpPr>
-        <p:cNvPr id="1" name=""/>
-        <p:cNvGrpSpPr/>
-        <p:nvPr/>
-      </p:nvGrpSpPr>
-      <p:grpSpPr>
-        <a:xfrm>
-          <a:off x="0" y="0"/>
-          <a:ext cx="0" cy="0"/>
-          <a:chOff x="0" y="0"/>
-          <a:chExt cx="0" cy="0"/>
-        </a:xfrm>
-      </p:grpSpPr>
-      <p:sp>
-        <p:nvSpPr>
-          <p:cNvPr id="222" name="Shape 222"/>
-          <p:cNvSpPr/>
-          <p:nvPr>
-            <p:ph type="sldImg"/>
-          </p:nvPr>
-        </p:nvSpPr>
-        <p:spPr>
-          <a:prstGeom prst="rect">
-            <a:avLst/>
-          </a:prstGeom>
-        </p:spPr>
-        <p:txBody>
-          <a:bodyPr/>
-          <a:lstStyle/>
-          <a:p>
-            <a:pPr/>
-          </a:p>
-        </p:txBody>
-      </p:sp>
-      <p:sp>
-        <p:nvSpPr>
-          <p:cNvPr id="223" name="Shape 223"/>
-          <p:cNvSpPr/>
-          <p:nvPr>
-            <p:ph type="body" sz="quarter" idx="1"/>
-          </p:nvPr>
-        </p:nvSpPr>
-        <p:spPr>
-          <a:prstGeom prst="rect">
-            <a:avLst/>
-          </a:prstGeom>
-        </p:spPr>
-        <p:txBody>
-          <a:bodyPr/>
-          <a:lstStyle/>
-          <a:p>
-            <a:pPr/>
-            <a:r>
-              <a:t>see answer key for solutions</a:t>
-            </a:r>
-          </a:p>
-          <a:p>
-            <a:pPr/>
-          </a:p>
-          <a:p>
-            <a:pPr/>
-            <a:r>
-              <a:t>pre-planned questions:</a:t>
-            </a:r>
-          </a:p>
-          <a:p>
-            <a:pPr/>
-            <a:r>
-              <a:t>+How do you find the adjugate/determinant? use the formulas on the board!!!</a:t>
-            </a:r>
-          </a:p>
-          <a:p>
-            <a:pPr/>
-            <a:r>
-              <a:t>+How can I use the adjugate/determinant to find the inverese? adj(A)/det(A)</a:t>
-            </a:r>
-          </a:p>
-          <a:p>
-            <a:pPr/>
-            <a:r>
-              <a:t>+How do I convert to AX=B? A is the coefficient matrix, X reprsents the variables and B the solutions</a:t>
-            </a:r>
-          </a:p>
-          <a:p>
-            <a:pPr/>
-            <a:r>
-              <a:t>+Why can’t I just use substitution? Because we’re practicing using adjugates and determinates.  It might seem silly here, but with bigger matrices it will be a LOT easier.  </a:t>
-            </a:r>
-          </a:p>
-        </p:txBody>
-      </p:sp>
-    </p:spTree>
-  </p:cSld>
-  <p:clrMapOvr>
-    <a:masterClrMapping/>
-  </p:clrMapOvr>
-</p:notes>
-</file>
-
-<file path=ppt/notesSlides/notesSlide6.xml><?xml version="1.0" encoding="utf-8"?>
-<p:notes xmlns:a="http://schemas.openxmlformats.org/drawingml/2006/main" xmlns:r="http://schemas.openxmlformats.org/officeDocument/2006/relationships" xmlns:p="http://schemas.openxmlformats.org/presentationml/2006/main" xmlns:m="http://schemas.openxmlformats.org/officeDocument/2006/math" xmlns:a14="http://schemas.microsoft.com/office/drawing/2010/main" showMasterSp="1" showMasterPhAnim="1">
-  <p:cSld>
-    <p:spTree>
-      <p:nvGrpSpPr>
-        <p:cNvPr id="1" name=""/>
-        <p:cNvGrpSpPr/>
-        <p:nvPr/>
-      </p:nvGrpSpPr>
-      <p:grpSpPr>
-        <a:xfrm>
-          <a:off x="0" y="0"/>
-          <a:ext cx="0" cy="0"/>
-          <a:chOff x="0" y="0"/>
-          <a:chExt cx="0" cy="0"/>
-        </a:xfrm>
-      </p:grpSpPr>
-      <p:sp>
-        <p:nvSpPr>
-          <p:cNvPr id="228" name="Shape 228"/>
-          <p:cNvSpPr/>
-          <p:nvPr>
-            <p:ph type="sldImg"/>
-          </p:nvPr>
-        </p:nvSpPr>
-        <p:spPr>
-          <a:prstGeom prst="rect">
-            <a:avLst/>
-          </a:prstGeom>
-        </p:spPr>
-        <p:txBody>
-          <a:bodyPr/>
-          <a:lstStyle/>
-          <a:p>
-            <a:pPr/>
-          </a:p>
-        </p:txBody>
-      </p:sp>
-      <p:sp>
-        <p:nvSpPr>
-          <p:cNvPr id="229" name="Shape 229"/>
+          <p:cNvPr id="212" name="Shape 212"/>
           <p:cNvSpPr/>
           <p:nvPr>
             <p:ph type="body" sz="quarter" idx="1"/>
@@ -3046,7 +2862,7 @@
         <p:spPr>
           <a:xfrm>
             <a:off x="159380" y="4693106"/>
-            <a:ext cx="8552701" cy="624607"/>
+            <a:ext cx="8552701" cy="614649"/>
           </a:xfrm>
           <a:prstGeom prst="rect">
             <a:avLst/>
@@ -3092,42 +2908,7 @@
             </a:r>
             <a:r>
               <a:rPr b="0"/>
-              <a:t>HDW find the minors and cofactors of a </a:t>
-            </a:r>
-            <a14:m>
-              <m:oMath>
-                <m:r>
-                  <a:rPr xmlns:a="http://schemas.openxmlformats.org/drawingml/2006/main" sz="1800" i="1">
-                    <a:solidFill>
-                      <a:srgbClr val="000000"/>
-                    </a:solidFill>
-                    <a:latin typeface="Cambria Math" panose="02040503050406030204" pitchFamily="18" charset="0"/>
-                  </a:rPr>
-                  <m:t>3</m:t>
-                </m:r>
-                <m:r>
-                  <a:rPr xmlns:a="http://schemas.openxmlformats.org/drawingml/2006/main" sz="1800" i="1">
-                    <a:solidFill>
-                      <a:srgbClr val="000000"/>
-                    </a:solidFill>
-                    <a:latin typeface="Cambria Math" panose="02040503050406030204" pitchFamily="18" charset="0"/>
-                  </a:rPr>
-                  <m:t>×</m:t>
-                </m:r>
-                <m:r>
-                  <a:rPr xmlns:a="http://schemas.openxmlformats.org/drawingml/2006/main" sz="1800" i="1">
-                    <a:solidFill>
-                      <a:srgbClr val="000000"/>
-                    </a:solidFill>
-                    <a:latin typeface="Cambria Math" panose="02040503050406030204" pitchFamily="18" charset="0"/>
-                  </a:rPr>
-                  <m:t>3</m:t>
-                </m:r>
-              </m:oMath>
-            </a14:m>
-            <a:r>
-              <a:rPr b="0"/>
-              <a:t> matrix?</a:t>
+              <a:t>HDW find the determinant for a any square matrix?</a:t>
             </a:r>
             <a:endParaRPr b="0"/>
           </a:p>
@@ -3135,7 +2916,7 @@
       </p:sp>
       <p:sp>
         <p:nvSpPr>
-          <p:cNvPr id="45" name="Dr. O’Brien  3/28/22"/>
+          <p:cNvPr id="45" name="Dr. O’Brien  4/1/22"/>
           <p:cNvSpPr txBox="1"/>
           <p:nvPr/>
         </p:nvSpPr>
@@ -3164,7 +2945,7 @@
           <a:p>
             <a:pPr/>
             <a:r>
-              <a:t>Dr. O’Brien  3/28/22</a:t>
+              <a:t>Dr. O’Brien  4/1/22</a:t>
             </a:r>
           </a:p>
         </p:txBody>
@@ -5624,7 +5405,7 @@
               </a:defRPr>
             </a:pPr>
             <a:r>
-              <a:t>Lesson 8.1</a:t>
+              <a:t>Lesson 8.4</a:t>
             </a:r>
           </a:p>
         </p:txBody>
@@ -5682,7 +5463,7 @@
               <a:defRPr sz="1600"/>
             </a:pPr>
             <a:r>
-              <a:t>28 March 2022</a:t>
+              <a:t>1 April 2022</a:t>
             </a:r>
           </a:p>
         </p:txBody>
@@ -5806,65 +5587,14 @@
       </p:sp>
       <p:sp>
         <p:nvSpPr>
-          <p:cNvPr id="191" name="Dr. Galvez and Dr. Guillermo are testing four dosage levels for precalodine: 2%, 4%, 6%, and 8%. The medicine is being given to a total of 100 patients. Patients take the medicine in a 1 liter solution, meaning that some percent of the solution is the me"/>
+          <p:cNvPr id="191" name="Be sure to……"/>
           <p:cNvSpPr txBox="1"/>
           <p:nvPr/>
         </p:nvSpPr>
         <p:spPr>
           <a:xfrm>
-            <a:off x="4597204" y="1250599"/>
-            <a:ext cx="3884840" cy="2057401"/>
-          </a:xfrm>
-          <a:prstGeom prst="rect">
-            <a:avLst/>
-          </a:prstGeom>
-          <a:ln w="12700">
-            <a:miter lim="400000"/>
-          </a:ln>
-          <a:extLst>
-            <a:ext uri="{C572A759-6A51-4108-AA02-DFA0A04FC94B}">
-              <ma14:wrappingTextBoxFlag xmlns:ma14="http://schemas.microsoft.com/office/mac/drawingml/2011/main" val="1"/>
-            </a:ext>
-          </a:extLst>
-        </p:spPr>
-        <p:txBody>
-          <a:bodyPr lIns="0" tIns="0" rIns="0" bIns="0">
-            <a:spAutoFit/>
-          </a:bodyPr>
-          <a:lstStyle>
-            <a:lvl1pPr defTabSz="457200">
-              <a:spcBef>
-                <a:spcPts val="1300"/>
-              </a:spcBef>
-              <a:defRPr sz="1533">
-                <a:solidFill>
-                  <a:srgbClr val="000000"/>
-                </a:solidFill>
-                <a:latin typeface="Times Roman"/>
-                <a:ea typeface="Times Roman"/>
-                <a:cs typeface="Times Roman"/>
-                <a:sym typeface="Times Roman"/>
-              </a:defRPr>
-            </a:lvl1pPr>
-          </a:lstStyle>
-          <a:p>
-            <a:pPr/>
-            <a:r>
-              <a:t>Dr. Galvez and Dr. Guillermo are testing four dosage levels for precalodine: 2%, 4%, 6%, and 8%. The medicine is being given to a total of 100 patients. Patients take the medicine in a 1 liter solution, meaning that some percent of the solution is the medicine, and the rest is water. 4.5 liters are on hand.  Twice as many patients are given the 2% dosage as the 6% dosage, and 3 times as many are given the 4% as the 8%.</a:t>
-            </a:r>
-          </a:p>
-        </p:txBody>
-      </p:sp>
-      <p:sp>
-        <p:nvSpPr>
-          <p:cNvPr id="192" name="Be sure to……"/>
-          <p:cNvSpPr txBox="1"/>
-          <p:nvPr/>
-        </p:nvSpPr>
-        <p:spPr>
-          <a:xfrm>
             <a:off x="381542" y="1429949"/>
-            <a:ext cx="3884840" cy="2124711"/>
+            <a:ext cx="3884840" cy="1477011"/>
           </a:xfrm>
           <a:prstGeom prst="rect">
             <a:avLst/>
@@ -5953,56 +5683,15 @@
               <a:t> </a:t>
             </a:r>
             <a:r>
-              <a:t>read the text to the right</a:t>
-            </a:r>
-            <a:endParaRPr>
-              <a:solidFill>
-                <a:schemeClr val="accent5">
-                  <a:satOff val="-3088"/>
-                  <a:lumOff val="12696"/>
-                </a:schemeClr>
-              </a:solidFill>
-            </a:endParaRPr>
-          </a:p>
-          <a:p>
-            <a:pPr marL="187157" indent="-187157">
-              <a:buClr>
-                <a:schemeClr val="accent1">
-                  <a:lumOff val="-6117"/>
-                </a:schemeClr>
-              </a:buClr>
-              <a:buSzPct val="100000"/>
-              <a:buAutoNum type="arabicPeriod" startAt="1"/>
-              <a:defRPr>
-                <a:solidFill>
-                  <a:schemeClr val="accent1">
-                    <a:lumOff val="-6117"/>
-                  </a:schemeClr>
-                </a:solidFill>
-              </a:defRPr>
-            </a:pPr>
-            <a:r>
-              <a:rPr>
-                <a:solidFill>
-                  <a:schemeClr val="accent5">
-                    <a:satOff val="-3088"/>
-                    <a:lumOff val="12696"/>
-                  </a:schemeClr>
-                </a:solidFill>
-              </a:rPr>
-              <a:t> </a:t>
-            </a:r>
-            <a:r>
-              <a:t>Identify what doesn’t make sense to you in a bulleted list.</a:t>
-            </a:r>
-            <a:endParaRPr>
-              <a:solidFill>
-                <a:schemeClr val="accent5">
-                  <a:satOff val="-3088"/>
-                  <a:lumOff val="12696"/>
-                </a:schemeClr>
-              </a:solidFill>
-            </a:endParaRPr>
+              <a:t>Find the value of </a:t>
+            </a:r>
+            <a:r>
+              <a:rPr i="1"/>
+              <a:t>x </a:t>
+            </a:r>
+            <a:r>
+              <a:t>in the equation to your right , showing all work.</a:t>
+            </a:r>
           </a:p>
           <a:p>
             <a:pPr marL="187157" indent="-187157">
@@ -6017,15 +5706,188 @@
               </a:defRPr>
             </a:pPr>
             <a:r>
-              <a:t>Let’s say you want to know </a:t>
-            </a:r>
-            <a:r>
-              <a:rPr b="1"/>
-              <a:t>how many patients can be given each dosage</a:t>
-            </a:r>
-            <a:r>
-              <a:t> and use up all the medicine. Explain what your first step would be in a complete sentence.</a:t>
-            </a:r>
+              <a:t>Write a sentence explaining how you solved this problem.</a:t>
+            </a:r>
+          </a:p>
+        </p:txBody>
+      </p:sp>
+      <p:sp>
+        <p:nvSpPr>
+          <p:cNvPr id="192" name="Text"/>
+          <p:cNvSpPr txBox="1"/>
+          <p:nvPr/>
+        </p:nvSpPr>
+        <p:spPr>
+          <a:xfrm>
+            <a:off x="5466874" y="2328591"/>
+            <a:ext cx="2157107" cy="687112"/>
+          </a:xfrm>
+          <a:prstGeom prst="rect">
+            <a:avLst/>
+          </a:prstGeom>
+          <a:ln w="12700">
+            <a:miter lim="400000"/>
+          </a:ln>
+          <a:extLst>
+            <a:ext uri="{C572A759-6A51-4108-AA02-DFA0A04FC94B}">
+              <ma14:wrappingTextBoxFlag xmlns:ma14="http://schemas.microsoft.com/office/mac/drawingml/2011/main" val="1"/>
+            </a:ext>
+          </a:extLst>
+        </p:spPr>
+        <p:txBody>
+          <a:bodyPr lIns="0" tIns="0" rIns="0" bIns="0">
+            <a:spAutoFit/>
+          </a:bodyPr>
+          <a:lstStyle>
+            <a:lvl1pPr>
+              <a:defRPr sz="1800"/>
+            </a:lvl1pPr>
+          </a:lstStyle>
+          <a:p>
+            <a:pPr/>
+            <a14:m>
+              <m:oMathPara>
+                <m:oMathParaPr>
+                  <m:jc m:val="left"/>
+                </m:oMathParaPr>
+                <m:oMath>
+                  <m:r>
+                    <m:rPr>
+                      <m:nor/>
+                    </m:rPr>
+                    <a:rPr xmlns:a="http://schemas.openxmlformats.org/drawingml/2006/main" sz="2100" i="1">
+                      <a:solidFill>
+                        <a:srgbClr val="F46524"/>
+                      </a:solidFill>
+                      <a:latin typeface="Cambria Math" panose="02040503050406030204" pitchFamily="18" charset="0"/>
+                    </a:rPr>
+                    <m:t>det</m:t>
+                  </m:r>
+                  <m:r>
+                    <a:rPr xmlns:a="http://schemas.openxmlformats.org/drawingml/2006/main" sz="2100" i="1">
+                      <a:solidFill>
+                        <a:srgbClr val="F46524"/>
+                      </a:solidFill>
+                      <a:latin typeface="Cambria Math" panose="02040503050406030204" pitchFamily="18" charset="0"/>
+                    </a:rPr>
+                    <m:t>(</m:t>
+                  </m:r>
+                  <m:d>
+                    <m:dPr>
+                      <m:ctrlPr>
+                        <a:rPr xmlns:a="http://schemas.openxmlformats.org/drawingml/2006/main" sz="2100" i="1">
+                          <a:solidFill>
+                            <a:srgbClr val="F46524"/>
+                          </a:solidFill>
+                          <a:latin typeface="Cambria Math" panose="02040503050406030204" pitchFamily="18" charset="0"/>
+                        </a:rPr>
+                      </m:ctrlPr>
+                      <m:begChr m:val="["/>
+                      <m:endChr m:val="]"/>
+                    </m:dPr>
+                    <m:e>
+                      <m:m>
+                        <m:mPr>
+                          <m:ctrlPr>
+                            <a:rPr xmlns:a="http://schemas.openxmlformats.org/drawingml/2006/main" sz="2100" i="1">
+                              <a:solidFill>
+                                <a:srgbClr val="F46524"/>
+                              </a:solidFill>
+                              <a:latin typeface="Cambria Math" panose="02040503050406030204" pitchFamily="18" charset="0"/>
+                            </a:rPr>
+                          </m:ctrlPr>
+                          <m:baseJc m:val="center"/>
+                          <m:plcHide m:val="on"/>
+                          <m:mcs>
+                            <m:mc>
+                              <m:mcPr>
+                                <m:count m:val="2"/>
+                                <m:mcJc m:val="center"/>
+                              </m:mcPr>
+                            </m:mc>
+                          </m:mcs>
+                        </m:mPr>
+                        <m:mr>
+                          <m:e>
+                            <m:r>
+                              <a:rPr xmlns:a="http://schemas.openxmlformats.org/drawingml/2006/main" sz="2100" i="1">
+                                <a:solidFill>
+                                  <a:srgbClr val="F46524"/>
+                                </a:solidFill>
+                                <a:latin typeface="Cambria Math" panose="02040503050406030204" pitchFamily="18" charset="0"/>
+                              </a:rPr>
+                              <m:t>x</m:t>
+                            </m:r>
+                          </m:e>
+                          <m:e>
+                            <m:r>
+                              <a:rPr xmlns:a="http://schemas.openxmlformats.org/drawingml/2006/main" sz="2100" i="1">
+                                <a:solidFill>
+                                  <a:srgbClr val="F46524"/>
+                                </a:solidFill>
+                                <a:latin typeface="Cambria Math" panose="02040503050406030204" pitchFamily="18" charset="0"/>
+                              </a:rPr>
+                              <m:t>2</m:t>
+                            </m:r>
+                          </m:e>
+                        </m:mr>
+                        <m:mr>
+                          <m:e>
+                            <m:r>
+                              <a:rPr xmlns:a="http://schemas.openxmlformats.org/drawingml/2006/main" sz="2100" i="1">
+                                <a:solidFill>
+                                  <a:srgbClr val="F46524"/>
+                                </a:solidFill>
+                                <a:latin typeface="Cambria Math" panose="02040503050406030204" pitchFamily="18" charset="0"/>
+                              </a:rPr>
+                              <m:t>2</m:t>
+                            </m:r>
+                          </m:e>
+                          <m:e>
+                            <m:r>
+                              <a:rPr xmlns:a="http://schemas.openxmlformats.org/drawingml/2006/main" sz="2100" i="1">
+                                <a:solidFill>
+                                  <a:srgbClr val="F46524"/>
+                                </a:solidFill>
+                                <a:latin typeface="Cambria Math" panose="02040503050406030204" pitchFamily="18" charset="0"/>
+                              </a:rPr>
+                              <m:t>x</m:t>
+                            </m:r>
+                          </m:e>
+                        </m:mr>
+                      </m:m>
+                    </m:e>
+                  </m:d>
+                  <m:r>
+                    <a:rPr xmlns:a="http://schemas.openxmlformats.org/drawingml/2006/main" sz="2100" i="1">
+                      <a:solidFill>
+                        <a:srgbClr val="F46524"/>
+                      </a:solidFill>
+                      <a:latin typeface="Cambria Math" panose="02040503050406030204" pitchFamily="18" charset="0"/>
+                    </a:rPr>
+                    <m:t>)</m:t>
+                  </m:r>
+                  <m:r>
+                    <a:rPr xmlns:a="http://schemas.openxmlformats.org/drawingml/2006/main" sz="2100" i="1">
+                      <a:solidFill>
+                        <a:srgbClr val="F46524"/>
+                      </a:solidFill>
+                      <a:latin typeface="Cambria Math" panose="02040503050406030204" pitchFamily="18" charset="0"/>
+                    </a:rPr>
+                    <m:t>=</m:t>
+                  </m:r>
+                  <m:r>
+                    <a:rPr xmlns:a="http://schemas.openxmlformats.org/drawingml/2006/main" sz="2100" i="1">
+                      <a:solidFill>
+                        <a:srgbClr val="F46524"/>
+                      </a:solidFill>
+                      <a:latin typeface="Cambria Math" panose="02040503050406030204" pitchFamily="18" charset="0"/>
+                    </a:rPr>
+                    <m:t>2</m:t>
+                  </m:r>
+                </m:oMath>
+              </m:oMathPara>
+            </a14:m>
           </a:p>
         </p:txBody>
       </p:sp>
@@ -6234,42 +6096,7 @@
             </a:r>
             <a:r>
               <a:rPr b="0"/>
-              <a:t>find the minors and cofactors of a </a:t>
-            </a:r>
-            <a14:m>
-              <m:oMath>
-                <m:r>
-                  <a:rPr xmlns:a="http://schemas.openxmlformats.org/drawingml/2006/main" sz="2050" i="1">
-                    <a:solidFill>
-                      <a:srgbClr val="000000"/>
-                    </a:solidFill>
-                    <a:latin typeface="Cambria Math" panose="02040503050406030204" pitchFamily="18" charset="0"/>
-                  </a:rPr>
-                  <m:t>3</m:t>
-                </m:r>
-                <m:r>
-                  <a:rPr xmlns:a="http://schemas.openxmlformats.org/drawingml/2006/main" sz="2050" i="1">
-                    <a:solidFill>
-                      <a:srgbClr val="000000"/>
-                    </a:solidFill>
-                    <a:latin typeface="Cambria Math" panose="02040503050406030204" pitchFamily="18" charset="0"/>
-                  </a:rPr>
-                  <m:t>×</m:t>
-                </m:r>
-                <m:r>
-                  <a:rPr xmlns:a="http://schemas.openxmlformats.org/drawingml/2006/main" sz="2050" i="1">
-                    <a:solidFill>
-                      <a:srgbClr val="000000"/>
-                    </a:solidFill>
-                    <a:latin typeface="Cambria Math" panose="02040503050406030204" pitchFamily="18" charset="0"/>
-                  </a:rPr>
-                  <m:t>3</m:t>
-                </m:r>
-              </m:oMath>
-            </a14:m>
-            <a:r>
-              <a:rPr b="0"/>
-              <a:t> matrix</a:t>
+              <a:t>find the determinant for a any square matrix</a:t>
             </a:r>
             <a:endParaRPr b="0"/>
           </a:p>
@@ -6644,732 +6471,25 @@
       </p:grpSpPr>
       <p:sp>
         <p:nvSpPr>
-          <p:cNvPr id="200" name="Warm up: Stop ’n’ Jot"/>
-          <p:cNvSpPr txBox="1"/>
-          <p:nvPr>
-            <p:ph type="title"/>
-          </p:nvPr>
-        </p:nvSpPr>
-        <p:spPr>
-          <a:prstGeom prst="rect">
-            <a:avLst/>
-          </a:prstGeom>
-        </p:spPr>
-        <p:txBody>
-          <a:bodyPr/>
-          <a:lstStyle>
-            <a:lvl1pPr defTabSz="886968">
-              <a:defRPr sz="2910"/>
-            </a:lvl1pPr>
-          </a:lstStyle>
-          <a:p>
-            <a:pPr/>
-            <a:r>
-              <a:t>Warm up: Stop ’n’ Jot</a:t>
-            </a:r>
-          </a:p>
-        </p:txBody>
-      </p:sp>
-      <p:sp>
-        <p:nvSpPr>
-          <p:cNvPr id="201" name="Be sure to… Answer the question below in at least two complete sentences, in your notes. Be prepared to share out!…"/>
-          <p:cNvSpPr txBox="1"/>
-          <p:nvPr>
-            <p:ph type="body" idx="1"/>
-          </p:nvPr>
-        </p:nvSpPr>
-        <p:spPr>
-          <a:prstGeom prst="rect">
-            <a:avLst/>
-          </a:prstGeom>
-        </p:spPr>
-        <p:txBody>
-          <a:bodyPr/>
-          <a:lstStyle/>
-          <a:p>
-            <a:pPr marL="0" indent="0" defTabSz="740663">
-              <a:buClrTx/>
-              <a:buSzTx/>
-              <a:buFontTx/>
-              <a:buNone/>
-              <a:defRPr sz="1458"/>
-            </a:pPr>
-            <a:r>
-              <a:rPr>
-                <a:solidFill>
-                  <a:schemeClr val="accent3"/>
-                </a:solidFill>
-              </a:rPr>
-              <a:t>Be sure to… </a:t>
-            </a:r>
-            <a:r>
-              <a:t>Answer the question below in at least two complete sentences, in your notes. Be prepared to share out!</a:t>
-            </a:r>
-          </a:p>
-          <a:p>
-            <a:pPr marL="0" indent="0" defTabSz="740663">
-              <a:buClrTx/>
-              <a:buSzTx/>
-              <a:buFontTx/>
-              <a:buNone/>
-              <a:defRPr sz="1458"/>
-            </a:pPr>
-          </a:p>
-          <a:p>
-            <a:pPr marL="0" indent="0" defTabSz="740663">
-              <a:buClrTx/>
-              <a:buSzTx/>
-              <a:buFontTx/>
-              <a:buNone/>
-              <a:defRPr sz="1458">
-                <a:solidFill>
-                  <a:schemeClr val="accent5"/>
-                </a:solidFill>
-              </a:defRPr>
-            </a:pPr>
-            <a:r>
-              <a:t>Find the determinant for the matrix below. Then explain whether it’s possible to find the inverse for this matrix</a:t>
-            </a:r>
-          </a:p>
-          <a:p>
-            <a:pPr marL="0" indent="0" defTabSz="740663">
-              <a:buClrTx/>
-              <a:buSzTx/>
-              <a:buFontTx/>
-              <a:buNone/>
-              <a:defRPr sz="1458">
-                <a:solidFill>
-                  <a:schemeClr val="accent5"/>
-                </a:solidFill>
-              </a:defRPr>
-            </a:pPr>
-          </a:p>
-          <a:p>
-            <a:pPr marL="0" indent="0" defTabSz="740663">
-              <a:buClrTx/>
-              <a:buSzTx/>
-              <a:buFontTx/>
-              <a:buNone/>
-              <a:defRPr sz="1458">
-                <a:solidFill>
-                  <a:schemeClr val="accent3">
-                    <a:lumOff val="-9098"/>
-                  </a:schemeClr>
-                </a:solidFill>
-              </a:defRPr>
-            </a:pPr>
-            <a14:m>
-              <m:oMathPara>
-                <m:oMathParaPr>
-                  <m:jc m:val="left"/>
-                </m:oMathParaPr>
-                <m:oMath>
-                  <m:d>
-                    <m:dPr>
-                      <m:ctrlPr>
-                        <a:rPr xmlns:a="http://schemas.openxmlformats.org/drawingml/2006/main" sz="1750" i="1">
-                          <a:solidFill>
-                            <a:srgbClr val="007AB9"/>
-                          </a:solidFill>
-                          <a:latin typeface="Cambria Math" panose="02040503050406030204" pitchFamily="18" charset="0"/>
-                        </a:rPr>
-                      </m:ctrlPr>
-                      <m:begChr m:val="["/>
-                      <m:endChr m:val="]"/>
-                    </m:dPr>
-                    <m:e>
-                      <m:m>
-                        <m:mPr>
-                          <m:ctrlPr>
-                            <a:rPr xmlns:a="http://schemas.openxmlformats.org/drawingml/2006/main" sz="1750" i="1">
-                              <a:solidFill>
-                                <a:srgbClr val="007AB9"/>
-                              </a:solidFill>
-                              <a:latin typeface="Cambria Math" panose="02040503050406030204" pitchFamily="18" charset="0"/>
-                            </a:rPr>
-                          </m:ctrlPr>
-                          <m:baseJc m:val="center"/>
-                          <m:plcHide m:val="on"/>
-                          <m:mcs>
-                            <m:mc>
-                              <m:mcPr>
-                                <m:count m:val="2"/>
-                                <m:mcJc m:val="center"/>
-                              </m:mcPr>
-                            </m:mc>
-                          </m:mcs>
-                        </m:mPr>
-                        <m:mr>
-                          <m:e>
-                            <m:r>
-                              <a:rPr xmlns:a="http://schemas.openxmlformats.org/drawingml/2006/main" sz="1750" i="1">
-                                <a:solidFill>
-                                  <a:srgbClr val="007AB9"/>
-                                </a:solidFill>
-                                <a:latin typeface="Cambria Math" panose="02040503050406030204" pitchFamily="18" charset="0"/>
-                              </a:rPr>
-                              <m:t>2</m:t>
-                            </m:r>
-                          </m:e>
-                          <m:e>
-                            <m:r>
-                              <a:rPr xmlns:a="http://schemas.openxmlformats.org/drawingml/2006/main" sz="1750" i="1">
-                                <a:solidFill>
-                                  <a:srgbClr val="007AB9"/>
-                                </a:solidFill>
-                                <a:latin typeface="Cambria Math" panose="02040503050406030204" pitchFamily="18" charset="0"/>
-                              </a:rPr>
-                              <m:t>4</m:t>
-                            </m:r>
-                          </m:e>
-                        </m:mr>
-                        <m:mr>
-                          <m:e>
-                            <m:r>
-                              <a:rPr xmlns:a="http://schemas.openxmlformats.org/drawingml/2006/main" sz="1750" i="1">
-                                <a:solidFill>
-                                  <a:srgbClr val="007AB9"/>
-                                </a:solidFill>
-                                <a:latin typeface="Cambria Math" panose="02040503050406030204" pitchFamily="18" charset="0"/>
-                              </a:rPr>
-                              <m:t>6</m:t>
-                            </m:r>
-                          </m:e>
-                          <m:e>
-                            <m:r>
-                              <a:rPr xmlns:a="http://schemas.openxmlformats.org/drawingml/2006/main" sz="1750" i="1">
-                                <a:solidFill>
-                                  <a:srgbClr val="007AB9"/>
-                                </a:solidFill>
-                                <a:latin typeface="Cambria Math" panose="02040503050406030204" pitchFamily="18" charset="0"/>
-                              </a:rPr>
-                              <m:t>12</m:t>
-                            </m:r>
-                          </m:e>
-                        </m:mr>
-                      </m:m>
-                    </m:e>
-                  </m:d>
-                </m:oMath>
-              </m:oMathPara>
-            </a14:m>
-          </a:p>
-          <a:p>
-            <a:pPr marL="0" indent="0" defTabSz="740663">
-              <a:buClrTx/>
-              <a:buSzTx/>
-              <a:buFontTx/>
-              <a:buNone/>
-              <a:defRPr sz="1458">
-                <a:solidFill>
-                  <a:schemeClr val="accent5"/>
-                </a:solidFill>
-              </a:defRPr>
-            </a:pPr>
-          </a:p>
-          <a:p>
-            <a:pPr marL="0" indent="0" defTabSz="740663">
-              <a:buClrTx/>
-              <a:buSzTx/>
-              <a:buFontTx/>
-              <a:buNone/>
-              <a:defRPr sz="1458">
-                <a:solidFill>
-                  <a:schemeClr val="accent3">
-                    <a:lumOff val="-9098"/>
-                  </a:schemeClr>
-                </a:solidFill>
-              </a:defRPr>
-            </a:pPr>
-          </a:p>
-        </p:txBody>
-      </p:sp>
-    </p:spTree>
-  </p:cSld>
-  <p:clrMapOvr>
-    <a:masterClrMapping/>
-  </p:clrMapOvr>
-  <p:transition xmlns:p14="http://schemas.microsoft.com/office/powerpoint/2010/main" spd="med" advClick="1"/>
-  <p:timing>
-    <p:tnLst>
-      <p:par>
-        <p:cTn id="1" nodeType="tmRoot" restart="never" dur="indefinite" fill="hold">
-          <p:childTnLst>
-            <p:seq concurrent="1" prevAc="none" nextAc="seek">
-              <p:cTn id="2" nodeType="mainSeq" dur="indefinite" fill="hold">
-                <p:childTnLst>
-                  <p:par>
-                    <p:cTn id="3" fill="hold">
-                      <p:stCondLst>
-                        <p:cond delay="indefinite"/>
-                      </p:stCondLst>
-                      <p:childTnLst>
-                        <p:par>
-                          <p:cTn id="4" fill="hold">
-                            <p:stCondLst>
-                              <p:cond delay="0"/>
-                            </p:stCondLst>
-                            <p:childTnLst>
-                              <p:par>
-                                <p:cTn id="5" presetClass="entr" nodeType="clickEffect" presetSubtype="0" presetID="1" grpId="1" fill="hold">
-                                  <p:stCondLst>
-                                    <p:cond delay="0"/>
-                                  </p:stCondLst>
-                                  <p:iterate type="el" backwards="0">
-                                    <p:tmAbs val="0"/>
-                                  </p:iterate>
-                                  <p:childTnLst>
-                                    <p:set>
-                                      <p:cBhvr>
-                                        <p:cTn id="6" fill="hold"/>
-                                        <p:tgtEl>
-                                          <p:spTgt spid="201">
-                                            <p:bg/>
-                                          </p:spTgt>
-                                        </p:tgtEl>
-                                        <p:attrNameLst>
-                                          <p:attrName>style.visibility</p:attrName>
-                                        </p:attrNameLst>
-                                      </p:cBhvr>
-                                      <p:to>
-                                        <p:strVal val="visible"/>
-                                      </p:to>
-                                    </p:set>
-                                  </p:childTnLst>
-                                </p:cTn>
-                              </p:par>
-                              <p:par>
-                                <p:cTn id="7" presetClass="entr" nodeType="withEffect" presetSubtype="0" presetID="1" grpId="1" fill="hold">
-                                  <p:stCondLst>
-                                    <p:cond delay="0"/>
-                                  </p:stCondLst>
-                                  <p:iterate type="el" backwards="0">
-                                    <p:tmAbs val="0"/>
-                                  </p:iterate>
-                                  <p:childTnLst>
-                                    <p:set>
-                                      <p:cBhvr>
-                                        <p:cTn id="8" fill="hold"/>
-                                        <p:tgtEl>
-                                          <p:spTgt spid="201">
-                                            <p:txEl>
-                                              <p:pRg st="0" end="0"/>
-                                            </p:txEl>
-                                          </p:spTgt>
-                                        </p:tgtEl>
-                                        <p:attrNameLst>
-                                          <p:attrName>style.visibility</p:attrName>
-                                        </p:attrNameLst>
-                                      </p:cBhvr>
-                                      <p:to>
-                                        <p:strVal val="visible"/>
-                                      </p:to>
-                                    </p:set>
-                                  </p:childTnLst>
-                                </p:cTn>
-                              </p:par>
-                            </p:childTnLst>
-                          </p:cTn>
-                        </p:par>
-                      </p:childTnLst>
-                    </p:cTn>
-                  </p:par>
-                  <p:par>
-                    <p:cTn id="9" fill="hold">
-                      <p:stCondLst>
-                        <p:cond delay="indefinite"/>
-                      </p:stCondLst>
-                      <p:childTnLst>
-                        <p:par>
-                          <p:cTn id="10" fill="hold">
-                            <p:stCondLst>
-                              <p:cond delay="0"/>
-                            </p:stCondLst>
-                            <p:childTnLst>
-                              <p:par>
-                                <p:cTn id="11" presetClass="entr" nodeType="clickEffect" presetSubtype="0" presetID="1" grpId="1" fill="hold">
-                                  <p:stCondLst>
-                                    <p:cond delay="0"/>
-                                  </p:stCondLst>
-                                  <p:iterate type="el" backwards="0">
-                                    <p:tmAbs val="0"/>
-                                  </p:iterate>
-                                  <p:childTnLst>
-                                    <p:set>
-                                      <p:cBhvr>
-                                        <p:cTn id="12" fill="hold"/>
-                                        <p:tgtEl>
-                                          <p:spTgt spid="201">
-                                            <p:txEl>
-                                              <p:pRg st="1" end="1"/>
-                                            </p:txEl>
-                                          </p:spTgt>
-                                        </p:tgtEl>
-                                        <p:attrNameLst>
-                                          <p:attrName>style.visibility</p:attrName>
-                                        </p:attrNameLst>
-                                      </p:cBhvr>
-                                      <p:to>
-                                        <p:strVal val="visible"/>
-                                      </p:to>
-                                    </p:set>
-                                  </p:childTnLst>
-                                </p:cTn>
-                              </p:par>
-                            </p:childTnLst>
-                          </p:cTn>
-                        </p:par>
-                      </p:childTnLst>
-                    </p:cTn>
-                  </p:par>
-                  <p:par>
-                    <p:cTn id="13" fill="hold">
-                      <p:stCondLst>
-                        <p:cond delay="indefinite"/>
-                      </p:stCondLst>
-                      <p:childTnLst>
-                        <p:par>
-                          <p:cTn id="14" fill="hold">
-                            <p:stCondLst>
-                              <p:cond delay="0"/>
-                            </p:stCondLst>
-                            <p:childTnLst>
-                              <p:par>
-                                <p:cTn id="15" presetClass="entr" nodeType="clickEffect" presetSubtype="0" presetID="1" grpId="1" fill="hold">
-                                  <p:stCondLst>
-                                    <p:cond delay="0"/>
-                                  </p:stCondLst>
-                                  <p:iterate type="el" backwards="0">
-                                    <p:tmAbs val="0"/>
-                                  </p:iterate>
-                                  <p:childTnLst>
-                                    <p:set>
-                                      <p:cBhvr>
-                                        <p:cTn id="16" fill="hold"/>
-                                        <p:tgtEl>
-                                          <p:spTgt spid="201">
-                                            <p:txEl>
-                                              <p:pRg st="2" end="2"/>
-                                            </p:txEl>
-                                          </p:spTgt>
-                                        </p:tgtEl>
-                                        <p:attrNameLst>
-                                          <p:attrName>style.visibility</p:attrName>
-                                        </p:attrNameLst>
-                                      </p:cBhvr>
-                                      <p:to>
-                                        <p:strVal val="visible"/>
-                                      </p:to>
-                                    </p:set>
-                                  </p:childTnLst>
-                                </p:cTn>
-                              </p:par>
-                            </p:childTnLst>
-                          </p:cTn>
-                        </p:par>
-                      </p:childTnLst>
-                    </p:cTn>
-                  </p:par>
-                  <p:par>
-                    <p:cTn id="17" fill="hold">
-                      <p:stCondLst>
-                        <p:cond delay="indefinite"/>
-                      </p:stCondLst>
-                      <p:childTnLst>
-                        <p:par>
-                          <p:cTn id="18" fill="hold">
-                            <p:stCondLst>
-                              <p:cond delay="0"/>
-                            </p:stCondLst>
-                            <p:childTnLst>
-                              <p:par>
-                                <p:cTn id="19" presetClass="entr" nodeType="clickEffect" presetSubtype="0" presetID="1" grpId="1" fill="hold">
-                                  <p:stCondLst>
-                                    <p:cond delay="0"/>
-                                  </p:stCondLst>
-                                  <p:iterate type="el" backwards="0">
-                                    <p:tmAbs val="0"/>
-                                  </p:iterate>
-                                  <p:childTnLst>
-                                    <p:set>
-                                      <p:cBhvr>
-                                        <p:cTn id="20" fill="hold"/>
-                                        <p:tgtEl>
-                                          <p:spTgt spid="201">
-                                            <p:txEl>
-                                              <p:pRg st="3" end="3"/>
-                                            </p:txEl>
-                                          </p:spTgt>
-                                        </p:tgtEl>
-                                        <p:attrNameLst>
-                                          <p:attrName>style.visibility</p:attrName>
-                                        </p:attrNameLst>
-                                      </p:cBhvr>
-                                      <p:to>
-                                        <p:strVal val="visible"/>
-                                      </p:to>
-                                    </p:set>
-                                  </p:childTnLst>
-                                </p:cTn>
-                              </p:par>
-                            </p:childTnLst>
-                          </p:cTn>
-                        </p:par>
-                      </p:childTnLst>
-                    </p:cTn>
-                  </p:par>
-                  <p:par>
-                    <p:cTn id="21" fill="hold">
-                      <p:stCondLst>
-                        <p:cond delay="indefinite"/>
-                      </p:stCondLst>
-                      <p:childTnLst>
-                        <p:par>
-                          <p:cTn id="22" fill="hold">
-                            <p:stCondLst>
-                              <p:cond delay="0"/>
-                            </p:stCondLst>
-                            <p:childTnLst>
-                              <p:par>
-                                <p:cTn id="23" presetClass="entr" nodeType="clickEffect" presetSubtype="0" presetID="1" grpId="1" fill="hold">
-                                  <p:stCondLst>
-                                    <p:cond delay="0"/>
-                                  </p:stCondLst>
-                                  <p:iterate type="el" backwards="0">
-                                    <p:tmAbs val="0"/>
-                                  </p:iterate>
-                                  <p:childTnLst>
-                                    <p:set>
-                                      <p:cBhvr>
-                                        <p:cTn id="24" fill="hold"/>
-                                        <p:tgtEl>
-                                          <p:spTgt spid="201">
-                                            <p:txEl>
-                                              <p:pRg st="4" end="4"/>
-                                            </p:txEl>
-                                          </p:spTgt>
-                                        </p:tgtEl>
-                                        <p:attrNameLst>
-                                          <p:attrName>style.visibility</p:attrName>
-                                        </p:attrNameLst>
-                                      </p:cBhvr>
-                                      <p:to>
-                                        <p:strVal val="visible"/>
-                                      </p:to>
-                                    </p:set>
-                                  </p:childTnLst>
-                                </p:cTn>
-                              </p:par>
-                            </p:childTnLst>
-                          </p:cTn>
-                        </p:par>
-                      </p:childTnLst>
-                    </p:cTn>
-                  </p:par>
-                  <p:par>
-                    <p:cTn id="25" fill="hold">
-                      <p:stCondLst>
-                        <p:cond delay="indefinite"/>
-                      </p:stCondLst>
-                      <p:childTnLst>
-                        <p:par>
-                          <p:cTn id="26" fill="hold">
-                            <p:stCondLst>
-                              <p:cond delay="0"/>
-                            </p:stCondLst>
-                            <p:childTnLst>
-                              <p:par>
-                                <p:cTn id="27" presetClass="entr" nodeType="clickEffect" presetSubtype="0" presetID="1" grpId="1" fill="hold">
-                                  <p:stCondLst>
-                                    <p:cond delay="0"/>
-                                  </p:stCondLst>
-                                  <p:iterate type="el" backwards="0">
-                                    <p:tmAbs val="0"/>
-                                  </p:iterate>
-                                  <p:childTnLst>
-                                    <p:set>
-                                      <p:cBhvr>
-                                        <p:cTn id="28" fill="hold"/>
-                                        <p:tgtEl>
-                                          <p:spTgt spid="201">
-                                            <p:txEl>
-                                              <p:pRg st="5" end="5"/>
-                                            </p:txEl>
-                                          </p:spTgt>
-                                        </p:tgtEl>
-                                        <p:attrNameLst>
-                                          <p:attrName>style.visibility</p:attrName>
-                                        </p:attrNameLst>
-                                      </p:cBhvr>
-                                      <p:to>
-                                        <p:strVal val="visible"/>
-                                      </p:to>
-                                    </p:set>
-                                  </p:childTnLst>
-                                </p:cTn>
-                              </p:par>
-                            </p:childTnLst>
-                          </p:cTn>
-                        </p:par>
-                      </p:childTnLst>
-                    </p:cTn>
-                  </p:par>
-                  <p:par>
-                    <p:cTn id="29" fill="hold">
-                      <p:stCondLst>
-                        <p:cond delay="indefinite"/>
-                      </p:stCondLst>
-                      <p:childTnLst>
-                        <p:par>
-                          <p:cTn id="30" fill="hold">
-                            <p:stCondLst>
-                              <p:cond delay="0"/>
-                            </p:stCondLst>
-                            <p:childTnLst>
-                              <p:par>
-                                <p:cTn id="31" presetClass="entr" nodeType="clickEffect" presetSubtype="0" presetID="1" grpId="1" fill="hold">
-                                  <p:stCondLst>
-                                    <p:cond delay="0"/>
-                                  </p:stCondLst>
-                                  <p:iterate type="el" backwards="0">
-                                    <p:tmAbs val="0"/>
-                                  </p:iterate>
-                                  <p:childTnLst>
-                                    <p:set>
-                                      <p:cBhvr>
-                                        <p:cTn id="32" fill="hold"/>
-                                        <p:tgtEl>
-                                          <p:spTgt spid="201">
-                                            <p:txEl>
-                                              <p:pRg st="6" end="6"/>
-                                            </p:txEl>
-                                          </p:spTgt>
-                                        </p:tgtEl>
-                                        <p:attrNameLst>
-                                          <p:attrName>style.visibility</p:attrName>
-                                        </p:attrNameLst>
-                                      </p:cBhvr>
-                                      <p:to>
-                                        <p:strVal val="visible"/>
-                                      </p:to>
-                                    </p:set>
-                                  </p:childTnLst>
-                                </p:cTn>
-                              </p:par>
-                            </p:childTnLst>
-                          </p:cTn>
-                        </p:par>
-                      </p:childTnLst>
-                    </p:cTn>
-                  </p:par>
-                  <p:par>
-                    <p:cTn id="33" fill="hold">
-                      <p:stCondLst>
-                        <p:cond delay="indefinite"/>
-                      </p:stCondLst>
-                      <p:childTnLst>
-                        <p:par>
-                          <p:cTn id="34" fill="hold">
-                            <p:stCondLst>
-                              <p:cond delay="0"/>
-                            </p:stCondLst>
-                            <p:childTnLst>
-                              <p:par>
-                                <p:cTn id="35" presetClass="entr" nodeType="clickEffect" presetSubtype="0" presetID="1" grpId="1" fill="hold">
-                                  <p:stCondLst>
-                                    <p:cond delay="0"/>
-                                  </p:stCondLst>
-                                  <p:iterate type="el" backwards="0">
-                                    <p:tmAbs val="0"/>
-                                  </p:iterate>
-                                  <p:childTnLst>
-                                    <p:set>
-                                      <p:cBhvr>
-                                        <p:cTn id="36" fill="hold"/>
-                                        <p:tgtEl>
-                                          <p:spTgt spid="201">
-                                            <p:txEl>
-                                              <p:pRg st="7" end="7"/>
-                                            </p:txEl>
-                                          </p:spTgt>
-                                        </p:tgtEl>
-                                        <p:attrNameLst>
-                                          <p:attrName>style.visibility</p:attrName>
-                                        </p:attrNameLst>
-                                      </p:cBhvr>
-                                      <p:to>
-                                        <p:strVal val="visible"/>
-                                      </p:to>
-                                    </p:set>
-                                  </p:childTnLst>
-                                </p:cTn>
-                              </p:par>
-                            </p:childTnLst>
-                          </p:cTn>
-                        </p:par>
-                      </p:childTnLst>
-                    </p:cTn>
-                  </p:par>
-                </p:childTnLst>
-              </p:cTn>
-              <p:prevCondLst>
-                <p:cond evt="onPrev">
-                  <p:tgtEl>
-                    <p:sldTgt/>
-                  </p:tgtEl>
-                </p:cond>
-              </p:prevCondLst>
-              <p:nextCondLst>
-                <p:cond evt="onNext">
-                  <p:tgtEl>
-                    <p:sldTgt/>
-                  </p:tgtEl>
-                </p:cond>
-              </p:nextCondLst>
-            </p:seq>
-          </p:childTnLst>
-        </p:cTn>
-      </p:par>
-    </p:tnLst>
-    <p:bldLst>
-      <p:bldP build="p" bldLvl="5" animBg="1" rev="0" advAuto="0" spid="201" grpId="1"/>
-    </p:bldLst>
-  </p:timing>
-</p:sld>
-</file>
-
-<file path=ppt/slides/slide5.xml><?xml version="1.0" encoding="utf-8"?>
-<p:sld xmlns:a="http://schemas.openxmlformats.org/drawingml/2006/main" xmlns:r="http://schemas.openxmlformats.org/officeDocument/2006/relationships" xmlns:p="http://schemas.openxmlformats.org/presentationml/2006/main" xmlns:m="http://schemas.openxmlformats.org/officeDocument/2006/math" xmlns:a14="http://schemas.microsoft.com/office/drawing/2010/main" showMasterSp="1" showMasterPhAnim="1">
-  <p:cSld>
-    <p:spTree>
-      <p:nvGrpSpPr>
-        <p:cNvPr id="1" name=""/>
-        <p:cNvGrpSpPr/>
-        <p:nvPr/>
-      </p:nvGrpSpPr>
-      <p:grpSpPr>
-        <a:xfrm>
-          <a:off x="0" y="0"/>
-          <a:ext cx="0" cy="0"/>
-          <a:chOff x="0" y="0"/>
-          <a:chExt cx="0" cy="0"/>
-        </a:xfrm>
-      </p:grpSpPr>
-      <p:sp>
-        <p:nvSpPr>
-          <p:cNvPr id="205" name="Vocabulary: if   is a square matrix:"/>
+          <p:cNvPr id="200" name="Be sure to: do the work below in your saved copy of thenAlice’s restaurant Pyret file:…"/>
           <p:cNvSpPr txBox="1"/>
           <p:nvPr/>
         </p:nvSpPr>
         <p:spPr>
           <a:xfrm>
-            <a:off x="308760" y="1773815"/>
-            <a:ext cx="4263155" cy="265016"/>
+            <a:off x="488987" y="1803400"/>
+            <a:ext cx="3194454" cy="2044701"/>
           </a:xfrm>
           <a:prstGeom prst="rect">
             <a:avLst/>
           </a:prstGeom>
+          <a:solidFill>
+            <a:srgbClr val="FFFFFF"/>
+          </a:solidFill>
           <a:ln w="12700">
+            <a:solidFill>
+              <a:srgbClr val="0056D6"/>
+            </a:solidFill>
             <a:miter lim="400000"/>
           </a:ln>
           <a:extLst>
@@ -7385,7 +6505,7 @@
           <a:lstStyle/>
           <a:p>
             <a:pPr>
-              <a:defRPr b="1" sz="1700">
+              <a:defRPr sz="1700">
                 <a:solidFill>
                   <a:schemeClr val="accent5">
                     <a:satOff val="-3088"/>
@@ -7395,59 +6515,127 @@
               </a:defRPr>
             </a:pPr>
             <a:r>
-              <a:t>Vocabulary: </a:t>
+              <a:t>Independent work  </a:t>
             </a:r>
             <a:r>
               <a:rPr>
                 <a:solidFill>
-                  <a:schemeClr val="accent1">
-                    <a:lumOff val="-6117"/>
+                  <a:schemeClr val="accent4"/>
+                </a:solidFill>
+              </a:rPr>
+              <a:t>Be sure to:</a:t>
+            </a:r>
+            <a:endParaRPr>
+              <a:solidFill>
+                <a:schemeClr val="accent4"/>
+              </a:solidFill>
+            </a:endParaRPr>
+          </a:p>
+          <a:p>
+            <a:pPr>
+              <a:defRPr sz="1700">
+                <a:solidFill>
+                  <a:schemeClr val="accent5">
+                    <a:satOff val="-3088"/>
+                    <a:lumOff val="12696"/>
                   </a:schemeClr>
                 </a:solidFill>
-              </a:rPr>
-              <a:t>if </a:t>
-            </a:r>
-            <a14:m>
-              <m:oMath>
-                <m:r>
-                  <a:rPr xmlns:a="http://schemas.openxmlformats.org/drawingml/2006/main" sz="2050" i="1">
-                    <a:solidFill>
-                      <a:srgbClr val="FB8C00"/>
-                    </a:solidFill>
-                    <a:latin typeface="Cambria Math" panose="02040503050406030204" pitchFamily="18" charset="0"/>
-                  </a:rPr>
-                  <m:t>A</m:t>
-                </m:r>
-              </m:oMath>
-            </a14:m>
+              </a:defRPr>
+            </a:pPr>
+            <a:endParaRPr>
+              <a:solidFill>
+                <a:schemeClr val="accent3"/>
+              </a:solidFill>
+            </a:endParaRPr>
+          </a:p>
+          <a:p>
+            <a:pPr marL="227263" indent="-227263">
+              <a:buSzPct val="100000"/>
+              <a:buAutoNum type="arabicPeriod" startAt="1"/>
+              <a:defRPr sz="1700">
+                <a:solidFill>
+                  <a:schemeClr val="accent5">
+                    <a:satOff val="-3088"/>
+                    <a:lumOff val="12696"/>
+                  </a:schemeClr>
+                </a:solidFill>
+              </a:defRPr>
+            </a:pPr>
             <a:r>
               <a:rPr>
                 <a:solidFill>
-                  <a:schemeClr val="accent1">
-                    <a:lumOff val="-6117"/>
+                  <a:schemeClr val="accent3"/>
+                </a:solidFill>
+              </a:rPr>
+              <a:t>Copy notes below (if you haven’t alredy).</a:t>
+            </a:r>
+            <a:endParaRPr>
+              <a:solidFill>
+                <a:schemeClr val="accent3"/>
+              </a:solidFill>
+            </a:endParaRPr>
+          </a:p>
+          <a:p>
+            <a:pPr marL="227263" indent="-227263">
+              <a:buSzPct val="100000"/>
+              <a:buAutoNum type="arabicPeriod" startAt="1"/>
+              <a:defRPr sz="1700">
+                <a:solidFill>
+                  <a:schemeClr val="accent5">
+                    <a:satOff val="-3088"/>
+                    <a:lumOff val="12696"/>
                   </a:schemeClr>
                 </a:solidFill>
+              </a:defRPr>
+            </a:pPr>
+            <a:r>
+              <a:rPr>
+                <a:solidFill>
+                  <a:schemeClr val="accent3"/>
+                </a:solidFill>
               </a:rPr>
-              <a:t> is a square matrix:</a:t>
+              <a:t>take worksheet in calculator..</a:t>
             </a:r>
             <a:endParaRPr>
               <a:solidFill>
-                <a:srgbClr val="FB8C00"/>
+                <a:schemeClr val="accent3"/>
               </a:solidFill>
             </a:endParaRPr>
+          </a:p>
+          <a:p>
+            <a:pPr marL="227263" indent="-227263">
+              <a:buSzPct val="100000"/>
+              <a:buAutoNum type="arabicPeriod" startAt="1"/>
+              <a:defRPr sz="1700">
+                <a:solidFill>
+                  <a:schemeClr val="accent5">
+                    <a:satOff val="-3088"/>
+                    <a:lumOff val="12696"/>
+                  </a:schemeClr>
+                </a:solidFill>
+              </a:defRPr>
+            </a:pPr>
+            <a:r>
+              <a:rPr>
+                <a:solidFill>
+                  <a:schemeClr val="accent3"/>
+                </a:solidFill>
+              </a:rPr>
+              <a:t>Work silently for the first 4 minutes. After that you can check in with your neighbor.</a:t>
+            </a:r>
           </a:p>
         </p:txBody>
       </p:sp>
       <p:sp>
         <p:nvSpPr>
-          <p:cNvPr id="206" name="Group"/>
+          <p:cNvPr id="201" name="Group"/>
           <p:cNvSpPr txBox="1"/>
           <p:nvPr/>
         </p:nvSpPr>
         <p:spPr>
           <a:xfrm>
-            <a:off x="396343" y="2271608"/>
-            <a:ext cx="4381972" cy="584592"/>
+            <a:off x="4710328" y="2756780"/>
+            <a:ext cx="6900217" cy="920546"/>
           </a:xfrm>
           <a:prstGeom prst="rect">
             <a:avLst/>
@@ -7624,7 +6812,7 @@
             <a14:m>
               <m:oMath>
                 <m:r>
-                  <a:rPr xmlns:a="http://schemas.openxmlformats.org/drawingml/2006/main" sz="1850" i="1">
+                  <a:rPr xmlns:a="http://schemas.openxmlformats.org/drawingml/2006/main" sz="2200" i="1">
                     <a:solidFill>
                       <a:srgbClr val="011D57"/>
                     </a:solidFill>
@@ -7661,7 +6849,7 @@
             <a14:m>
               <m:oMath>
                 <m:r>
-                  <a:rPr xmlns:a="http://schemas.openxmlformats.org/drawingml/2006/main" sz="1000" i="1">
+                  <a:rPr xmlns:a="http://schemas.openxmlformats.org/drawingml/2006/main" sz="1150" i="1">
                     <a:solidFill>
                       <a:srgbClr val="011D57"/>
                     </a:solidFill>
@@ -7689,88 +6877,13 @@
       </p:sp>
       <p:sp>
         <p:nvSpPr>
-          <p:cNvPr id="207" name="Be sure to: do the work below in your saved copy of thenAlice’s restaurant Pyret file:…"/>
+          <p:cNvPr id="202" name="Group"/>
           <p:cNvSpPr txBox="1"/>
           <p:nvPr/>
         </p:nvSpPr>
         <p:spPr>
           <a:xfrm>
-            <a:off x="1765205" y="155300"/>
-            <a:ext cx="4818189" cy="520701"/>
-          </a:xfrm>
-          <a:prstGeom prst="rect">
-            <a:avLst/>
-          </a:prstGeom>
-          <a:solidFill>
-            <a:srgbClr val="FFFFFF"/>
-          </a:solidFill>
-          <a:ln w="12700">
-            <a:solidFill>
-              <a:srgbClr val="0056D6"/>
-            </a:solidFill>
-            <a:miter lim="400000"/>
-          </a:ln>
-          <a:extLst>
-            <a:ext uri="{C572A759-6A51-4108-AA02-DFA0A04FC94B}">
-              <ma14:wrappingTextBoxFlag xmlns:ma14="http://schemas.microsoft.com/office/mac/drawingml/2011/main" val="1"/>
-            </a:ext>
-          </a:extLst>
-        </p:spPr>
-        <p:txBody>
-          <a:bodyPr lIns="0" tIns="0" rIns="0" bIns="0">
-            <a:spAutoFit/>
-          </a:bodyPr>
-          <a:lstStyle/>
-          <a:p>
-            <a:pPr>
-              <a:defRPr sz="1700">
-                <a:solidFill>
-                  <a:schemeClr val="accent5">
-                    <a:satOff val="-3088"/>
-                    <a:lumOff val="12696"/>
-                  </a:schemeClr>
-                </a:solidFill>
-              </a:defRPr>
-            </a:pPr>
-            <a:r>
-              <a:t>Mini-lesson </a:t>
-            </a:r>
-            <a:r>
-              <a:rPr>
-                <a:solidFill>
-                  <a:schemeClr val="accent3"/>
-                </a:solidFill>
-              </a:rPr>
-              <a:t>Be sure to </a:t>
-            </a:r>
-            <a:r>
-              <a:rPr>
-                <a:solidFill>
-                  <a:srgbClr val="FF2600"/>
-                </a:solidFill>
-              </a:rPr>
-              <a:t>copy the notes below and on the board </a:t>
-            </a:r>
-            <a:r>
-              <a:rPr>
-                <a:solidFill>
-                  <a:schemeClr val="accent3"/>
-                </a:solidFill>
-              </a:rPr>
-              <a:t>in your notebook &amp; ask questions!</a:t>
-            </a:r>
-          </a:p>
-        </p:txBody>
-      </p:sp>
-      <p:sp>
-        <p:nvSpPr>
-          <p:cNvPr id="208" name="Group"/>
-          <p:cNvSpPr txBox="1"/>
-          <p:nvPr/>
-        </p:nvSpPr>
-        <p:spPr>
-          <a:xfrm>
-            <a:off x="268814" y="3377946"/>
+            <a:off x="4996308" y="3739321"/>
             <a:ext cx="5947258" cy="793414"/>
           </a:xfrm>
           <a:prstGeom prst="rect">
@@ -8122,14 +7235,14 @@
       </p:sp>
       <p:sp>
         <p:nvSpPr>
-          <p:cNvPr id="209" name="Practice problem #1: Find…"/>
+          <p:cNvPr id="203" name="NOTES  How to find the determinant for a square  matrix   :"/>
           <p:cNvSpPr txBox="1"/>
           <p:nvPr/>
         </p:nvSpPr>
         <p:spPr>
           <a:xfrm>
-            <a:off x="5826345" y="1355962"/>
-            <a:ext cx="2453952" cy="682869"/>
+            <a:off x="4978630" y="737916"/>
+            <a:ext cx="5294115" cy="657659"/>
           </a:xfrm>
           <a:prstGeom prst="rect">
             <a:avLst/>
@@ -8144,7 +7257,7 @@
           </a:extLst>
         </p:spPr>
         <p:txBody>
-          <a:bodyPr wrap="none" lIns="0" tIns="0" rIns="0" bIns="0">
+          <a:bodyPr lIns="0" tIns="0" rIns="0" bIns="0">
             <a:spAutoFit/>
           </a:bodyPr>
           <a:lstStyle/>
@@ -8152,150 +7265,108 @@
             <a:pPr>
               <a:defRPr b="1">
                 <a:solidFill>
-                  <a:schemeClr val="accent4">
-                    <a:satOff val="-3525"/>
-                    <a:lumOff val="-10431"/>
-                  </a:schemeClr>
+                  <a:srgbClr val="FF2600"/>
                 </a:solidFill>
               </a:defRPr>
             </a:pPr>
             <a:r>
-              <a:t>Practice problem #1: Find </a:t>
-            </a:r>
-          </a:p>
-          <a:p>
-            <a:pPr>
-              <a:defRPr b="1">
+              <a:t>NOTES</a:t>
+            </a:r>
+            <a:r>
+              <a:rPr>
                 <a:solidFill>
-                  <a:schemeClr val="accent4">
-                    <a:satOff val="-3525"/>
-                    <a:lumOff val="-10431"/>
+                  <a:schemeClr val="accent5">
+                    <a:satOff val="-3088"/>
+                    <a:lumOff val="12696"/>
                   </a:schemeClr>
                 </a:solidFill>
-              </a:defRPr>
-            </a:pPr>
-            <a:r>
-              <a:t>the minors </a:t>
+              </a:rPr>
+              <a:t> </a:t>
+            </a:r>
+            <a:br>
+              <a:rPr>
+                <a:solidFill>
+                  <a:schemeClr val="accent5">
+                    <a:satOff val="-3088"/>
+                    <a:lumOff val="12696"/>
+                  </a:schemeClr>
+                </a:solidFill>
+              </a:rPr>
+            </a:br>
+            <a:r>
+              <a:rPr>
+                <a:solidFill>
+                  <a:schemeClr val="accent5">
+                    <a:satOff val="-3088"/>
+                    <a:lumOff val="12696"/>
+                  </a:schemeClr>
+                </a:solidFill>
+              </a:rPr>
+              <a:t>How to find the determinant for a square </a:t>
+            </a:r>
+            <a:br>
+              <a:rPr>
+                <a:solidFill>
+                  <a:schemeClr val="accent5">
+                    <a:satOff val="-3088"/>
+                    <a:lumOff val="12696"/>
+                  </a:schemeClr>
+                </a:solidFill>
+              </a:rPr>
+            </a:br>
+            <a:r>
+              <a:rPr>
+                <a:solidFill>
+                  <a:schemeClr val="accent5">
+                    <a:satOff val="-3088"/>
+                    <a:lumOff val="12696"/>
+                  </a:schemeClr>
+                </a:solidFill>
+              </a:rPr>
+              <a:t>matrix  </a:t>
             </a:r>
             <a14:m>
               <m:oMath>
-                <m:sSub>
-                  <m:e>
-                    <m:r>
-                      <a:rPr xmlns:a="http://schemas.openxmlformats.org/drawingml/2006/main" sz="1750" i="1">
-                        <a:solidFill>
-                          <a:srgbClr val="409482"/>
-                        </a:solidFill>
-                        <a:latin typeface="Cambria Math" panose="02040503050406030204" pitchFamily="18" charset="0"/>
-                      </a:rPr>
-                      <m:t>M</m:t>
-                    </m:r>
-                  </m:e>
-                  <m:sub>
-                    <m:r>
-                      <a:rPr xmlns:a="http://schemas.openxmlformats.org/drawingml/2006/main" sz="1750" i="1">
-                        <a:solidFill>
-                          <a:srgbClr val="409482"/>
-                        </a:solidFill>
-                        <a:latin typeface="Cambria Math" panose="02040503050406030204" pitchFamily="18" charset="0"/>
-                      </a:rPr>
-                      <m:t>1,1</m:t>
-                    </m:r>
-                  </m:sub>
-                </m:sSub>
+                <m:r>
+                  <a:rPr xmlns:a="http://schemas.openxmlformats.org/drawingml/2006/main" sz="1700" i="1">
+                    <a:solidFill>
+                      <a:srgbClr val="FF2600"/>
+                    </a:solidFill>
+                    <a:latin typeface="Cambria Math" panose="02040503050406030204" pitchFamily="18" charset="0"/>
+                  </a:rPr>
+                  <m:t>A</m:t>
+                </m:r>
               </m:oMath>
             </a14:m>
             <a:r>
-              <a:t> and </a:t>
-            </a:r>
-            <a14:m>
-              <m:oMath>
-                <m:sSub>
-                  <m:e>
-                    <m:r>
-                      <a:rPr xmlns:a="http://schemas.openxmlformats.org/drawingml/2006/main" sz="1700" i="1">
-                        <a:solidFill>
-                          <a:srgbClr val="409482"/>
-                        </a:solidFill>
-                        <a:latin typeface="Cambria Math" panose="02040503050406030204" pitchFamily="18" charset="0"/>
-                      </a:rPr>
-                      <m:t>M</m:t>
-                    </m:r>
-                  </m:e>
-                  <m:sub>
-                    <m:r>
-                      <a:rPr xmlns:a="http://schemas.openxmlformats.org/drawingml/2006/main" sz="1700" i="1">
-                        <a:solidFill>
-                          <a:srgbClr val="409482"/>
-                        </a:solidFill>
-                        <a:latin typeface="Cambria Math" panose="02040503050406030204" pitchFamily="18" charset="0"/>
-                      </a:rPr>
-                      <m:t>2,3</m:t>
-                    </m:r>
-                  </m:sub>
-                </m:sSub>
-              </m:oMath>
-            </a14:m>
-            <a:r>
-              <a:t> for </a:t>
-            </a:r>
-          </a:p>
-          <a:p>
-            <a:pPr>
-              <a:defRPr b="1">
+              <a:rPr>
                 <a:solidFill>
-                  <a:schemeClr val="accent4">
-                    <a:satOff val="-3525"/>
-                    <a:lumOff val="-10431"/>
+                  <a:schemeClr val="accent5">
+                    <a:satOff val="-3088"/>
+                    <a:lumOff val="12696"/>
                   </a:schemeClr>
                 </a:solidFill>
-              </a:defRPr>
-            </a:pPr>
-            <a:r>
-              <a:t>the matrix below.</a:t>
-            </a:r>
+              </a:rPr>
+              <a:t>:</a:t>
+            </a:r>
+            <a:endParaRPr>
+              <a:solidFill>
+                <a:srgbClr val="FCA940"/>
+              </a:solidFill>
+            </a:endParaRPr>
           </a:p>
         </p:txBody>
       </p:sp>
-      <p:pic>
-        <p:nvPicPr>
-          <p:cNvPr id="210" name="Image" descr="Image"/>
-          <p:cNvPicPr>
-            <a:picLocks noChangeAspect="1"/>
-          </p:cNvPicPr>
-          <p:nvPr/>
-        </p:nvPicPr>
-        <p:blipFill>
-          <a:blip r:embed="rId3">
-            <a:extLst/>
-          </a:blip>
-          <a:stretch>
-            <a:fillRect/>
-          </a:stretch>
-        </p:blipFill>
-        <p:spPr>
-          <a:xfrm>
-            <a:off x="5475371" y="3377946"/>
-            <a:ext cx="2324101" cy="1003301"/>
-          </a:xfrm>
-          <a:prstGeom prst="rect">
-            <a:avLst/>
-          </a:prstGeom>
-          <a:ln w="12700">
-            <a:miter lim="400000"/>
-          </a:ln>
-        </p:spPr>
-      </p:pic>
       <p:sp>
         <p:nvSpPr>
-          <p:cNvPr id="211" name="Practice problem #2: Find…"/>
+          <p:cNvPr id="204" name="Group"/>
           <p:cNvSpPr txBox="1"/>
           <p:nvPr/>
         </p:nvSpPr>
         <p:spPr>
           <a:xfrm>
-            <a:off x="5826345" y="2271608"/>
-            <a:ext cx="2589405" cy="682869"/>
+            <a:off x="4657335" y="1479237"/>
+            <a:ext cx="6244204" cy="1215548"/>
           </a:xfrm>
           <a:prstGeom prst="rect">
             <a:avLst/>
@@ -8310,116 +7381,737 @@
           </a:extLst>
         </p:spPr>
         <p:txBody>
-          <a:bodyPr wrap="none" lIns="0" tIns="0" rIns="0" bIns="0">
+          <a:bodyPr lIns="0" tIns="0" rIns="0" bIns="0">
             <a:spAutoFit/>
           </a:bodyPr>
           <a:lstStyle/>
           <a:p>
-            <a:pPr>
-              <a:defRPr b="1">
+            <a:pPr marL="187157" indent="-187157">
+              <a:buSzPct val="100000"/>
+              <a:buAutoNum type="arabicPeriod" startAt="1"/>
+              <a:defRPr>
                 <a:solidFill>
-                  <a:schemeClr val="accent4">
-                    <a:satOff val="-3525"/>
-                    <a:lumOff val="-10431"/>
+                  <a:schemeClr val="accent3">
+                    <a:lumOff val="-9098"/>
                   </a:schemeClr>
                 </a:solidFill>
               </a:defRPr>
             </a:pPr>
             <a:r>
-              <a:t>Practice problem #2: Find </a:t>
-            </a:r>
-          </a:p>
-          <a:p>
-            <a:pPr>
-              <a:defRPr b="1">
+              <a:t>Pick a row</a:t>
+            </a:r>
+            <a:r>
+              <a:rPr>
                 <a:solidFill>
-                  <a:schemeClr val="accent4">
-                    <a:satOff val="-3525"/>
-                    <a:lumOff val="-10431"/>
-                  </a:schemeClr>
+                  <a:srgbClr val="FF2600"/>
                 </a:solidFill>
-              </a:defRPr>
-            </a:pPr>
-            <a:r>
-              <a:t>the cofactors </a:t>
+              </a:rPr>
+              <a:t> </a:t>
             </a:r>
             <a14:m>
               <m:oMath>
                 <m:sSub>
                   <m:e>
                     <m:r>
-                      <a:rPr xmlns:a="http://schemas.openxmlformats.org/drawingml/2006/main" sz="1850" i="1">
+                      <a:rPr xmlns:a="http://schemas.openxmlformats.org/drawingml/2006/main" sz="1650" i="1">
                         <a:solidFill>
-                          <a:srgbClr val="409482"/>
+                          <a:srgbClr val="FF2600"/>
                         </a:solidFill>
                         <a:latin typeface="Cambria Math" panose="02040503050406030204" pitchFamily="18" charset="0"/>
                       </a:rPr>
-                      <m:t>C</m:t>
+                      <m:t>a</m:t>
                     </m:r>
                   </m:e>
                   <m:sub>
                     <m:r>
-                      <a:rPr xmlns:a="http://schemas.openxmlformats.org/drawingml/2006/main" sz="1850" i="1">
+                      <a:rPr xmlns:a="http://schemas.openxmlformats.org/drawingml/2006/main" sz="1650" i="1">
                         <a:solidFill>
-                          <a:srgbClr val="409482"/>
+                          <a:srgbClr val="FF2600"/>
                         </a:solidFill>
                         <a:latin typeface="Cambria Math" panose="02040503050406030204" pitchFamily="18" charset="0"/>
                       </a:rPr>
-                      <m:t>1,1</m:t>
+                      <m:t>i</m:t>
+                    </m:r>
+                    <m:r>
+                      <a:rPr xmlns:a="http://schemas.openxmlformats.org/drawingml/2006/main" sz="1650" i="1">
+                        <a:solidFill>
+                          <a:srgbClr val="FF2600"/>
+                        </a:solidFill>
+                        <a:latin typeface="Cambria Math" panose="02040503050406030204" pitchFamily="18" charset="0"/>
+                      </a:rPr>
+                      <m:t>,</m:t>
+                    </m:r>
+                    <m:r>
+                      <a:rPr xmlns:a="http://schemas.openxmlformats.org/drawingml/2006/main" sz="1650" i="1">
+                        <a:solidFill>
+                          <a:srgbClr val="FF2600"/>
+                        </a:solidFill>
+                        <a:latin typeface="Cambria Math" panose="02040503050406030204" pitchFamily="18" charset="0"/>
+                      </a:rPr>
+                      <m:t>j</m:t>
                     </m:r>
                   </m:sub>
                 </m:sSub>
               </m:oMath>
             </a14:m>
             <a:r>
-              <a:t> and </a:t>
+              <a:rPr>
+                <a:solidFill>
+                  <a:srgbClr val="FF2600"/>
+                </a:solidFill>
+              </a:rPr>
+              <a:t>  </a:t>
             </a:r>
             <a14:m>
               <m:oMath>
                 <m:sSub>
                   <m:e>
                     <m:r>
-                      <a:rPr xmlns:a="http://schemas.openxmlformats.org/drawingml/2006/main" sz="1850" i="1">
+                      <a:rPr xmlns:a="http://schemas.openxmlformats.org/drawingml/2006/main" sz="1650" i="1">
                         <a:solidFill>
-                          <a:srgbClr val="409482"/>
+                          <a:srgbClr val="FF2600"/>
                         </a:solidFill>
                         <a:latin typeface="Cambria Math" panose="02040503050406030204" pitchFamily="18" charset="0"/>
                       </a:rPr>
-                      <m:t>C</m:t>
+                      <m:t>a</m:t>
                     </m:r>
                   </m:e>
                   <m:sub>
                     <m:r>
-                      <a:rPr xmlns:a="http://schemas.openxmlformats.org/drawingml/2006/main" sz="1850" i="1">
+                      <a:rPr xmlns:a="http://schemas.openxmlformats.org/drawingml/2006/main" sz="1650" i="1">
                         <a:solidFill>
-                          <a:srgbClr val="409482"/>
+                          <a:srgbClr val="FF2600"/>
                         </a:solidFill>
                         <a:latin typeface="Cambria Math" panose="02040503050406030204" pitchFamily="18" charset="0"/>
                       </a:rPr>
-                      <m:t>2,3</m:t>
+                      <m:t>i</m:t>
+                    </m:r>
+                    <m:r>
+                      <a:rPr xmlns:a="http://schemas.openxmlformats.org/drawingml/2006/main" sz="1650" i="1">
+                        <a:solidFill>
+                          <a:srgbClr val="FF2600"/>
+                        </a:solidFill>
+                        <a:latin typeface="Cambria Math" panose="02040503050406030204" pitchFamily="18" charset="0"/>
+                      </a:rPr>
+                      <m:t>,</m:t>
+                    </m:r>
+                    <m:r>
+                      <a:rPr xmlns:a="http://schemas.openxmlformats.org/drawingml/2006/main" sz="1650" i="1">
+                        <a:solidFill>
+                          <a:srgbClr val="FF2600"/>
+                        </a:solidFill>
+                        <a:latin typeface="Cambria Math" panose="02040503050406030204" pitchFamily="18" charset="0"/>
+                      </a:rPr>
+                      <m:t>k</m:t>
                     </m:r>
                   </m:sub>
                 </m:sSub>
               </m:oMath>
             </a14:m>
             <a:r>
-              <a:t> for </a:t>
-            </a:r>
-          </a:p>
-          <a:p>
-            <a:pPr>
-              <a:defRPr b="1">
+              <a:rPr>
                 <a:solidFill>
-                  <a:schemeClr val="accent4">
-                    <a:satOff val="-3525"/>
-                    <a:lumOff val="-10431"/>
+                  <a:srgbClr val="FF2600"/>
+                </a:solidFill>
+              </a:rPr>
+              <a:t>  </a:t>
+            </a:r>
+            <a14:m>
+              <m:oMath>
+                <m:sSub>
+                  <m:e>
+                    <m:r>
+                      <a:rPr xmlns:a="http://schemas.openxmlformats.org/drawingml/2006/main" sz="1700" i="1">
+                        <a:solidFill>
+                          <a:srgbClr val="FF2600"/>
+                        </a:solidFill>
+                        <a:latin typeface="Cambria Math" panose="02040503050406030204" pitchFamily="18" charset="0"/>
+                      </a:rPr>
+                      <m:t>a</m:t>
+                    </m:r>
+                  </m:e>
+                  <m:sub>
+                    <m:r>
+                      <a:rPr xmlns:a="http://schemas.openxmlformats.org/drawingml/2006/main" sz="1700" i="1">
+                        <a:solidFill>
+                          <a:srgbClr val="FF2600"/>
+                        </a:solidFill>
+                        <a:latin typeface="Cambria Math" panose="02040503050406030204" pitchFamily="18" charset="0"/>
+                      </a:rPr>
+                      <m:t>i</m:t>
+                    </m:r>
+                    <m:r>
+                      <a:rPr xmlns:a="http://schemas.openxmlformats.org/drawingml/2006/main" sz="1700" i="1">
+                        <a:solidFill>
+                          <a:srgbClr val="FF2600"/>
+                        </a:solidFill>
+                        <a:latin typeface="Cambria Math" panose="02040503050406030204" pitchFamily="18" charset="0"/>
+                      </a:rPr>
+                      <m:t>,</m:t>
+                    </m:r>
+                    <m:r>
+                      <a:rPr xmlns:a="http://schemas.openxmlformats.org/drawingml/2006/main" sz="1700" i="1">
+                        <a:solidFill>
+                          <a:srgbClr val="FF2600"/>
+                        </a:solidFill>
+                        <a:latin typeface="Cambria Math" panose="02040503050406030204" pitchFamily="18" charset="0"/>
+                      </a:rPr>
+                      <m:t>l</m:t>
+                    </m:r>
+                  </m:sub>
+                </m:sSub>
+              </m:oMath>
+            </a14:m>
+            <a:endParaRPr>
+              <a:solidFill>
+                <a:srgbClr val="FF2600"/>
+              </a:solidFill>
+            </a:endParaRPr>
+          </a:p>
+          <a:p>
+            <a:pPr marL="187157" indent="-187157">
+              <a:buSzPct val="100000"/>
+              <a:buAutoNum type="arabicPeriod" startAt="1"/>
+              <a:defRPr>
+                <a:solidFill>
+                  <a:schemeClr val="accent3">
+                    <a:lumOff val="-9098"/>
                   </a:schemeClr>
                 </a:solidFill>
               </a:defRPr>
             </a:pPr>
             <a:r>
-              <a:t>the matrix below.</a:t>
-            </a:r>
+              <a:t>Find the cofactors for each member </a:t>
+            </a:r>
+            <a:br/>
+            <a:r>
+              <a:t>of the row.  </a:t>
+            </a:r>
+            <a14:m>
+              <m:oMath>
+                <m:sSub>
+                  <m:e>
+                    <m:r>
+                      <a:rPr xmlns:a="http://schemas.openxmlformats.org/drawingml/2006/main" sz="1700" i="1">
+                        <a:solidFill>
+                          <a:srgbClr val="FF2600"/>
+                        </a:solidFill>
+                        <a:latin typeface="Cambria Math" panose="02040503050406030204" pitchFamily="18" charset="0"/>
+                      </a:rPr>
+                      <m:t>c</m:t>
+                    </m:r>
+                  </m:e>
+                  <m:sub>
+                    <m:r>
+                      <a:rPr xmlns:a="http://schemas.openxmlformats.org/drawingml/2006/main" sz="1700" i="1">
+                        <a:solidFill>
+                          <a:srgbClr val="FF2600"/>
+                        </a:solidFill>
+                        <a:latin typeface="Cambria Math" panose="02040503050406030204" pitchFamily="18" charset="0"/>
+                      </a:rPr>
+                      <m:t>i</m:t>
+                    </m:r>
+                    <m:r>
+                      <a:rPr xmlns:a="http://schemas.openxmlformats.org/drawingml/2006/main" sz="1700" i="1">
+                        <a:solidFill>
+                          <a:srgbClr val="FF2600"/>
+                        </a:solidFill>
+                        <a:latin typeface="Cambria Math" panose="02040503050406030204" pitchFamily="18" charset="0"/>
+                      </a:rPr>
+                      <m:t>,</m:t>
+                    </m:r>
+                    <m:r>
+                      <a:rPr xmlns:a="http://schemas.openxmlformats.org/drawingml/2006/main" sz="1700" i="1">
+                        <a:solidFill>
+                          <a:srgbClr val="FF2600"/>
+                        </a:solidFill>
+                        <a:latin typeface="Cambria Math" panose="02040503050406030204" pitchFamily="18" charset="0"/>
+                      </a:rPr>
+                      <m:t>j</m:t>
+                    </m:r>
+                  </m:sub>
+                </m:sSub>
+              </m:oMath>
+            </a14:m>
+            <a:r>
+              <a:rPr>
+                <a:solidFill>
+                  <a:srgbClr val="FF2600"/>
+                </a:solidFill>
+              </a:rPr>
+              <a:t>  </a:t>
+            </a:r>
+            <a14:m>
+              <m:oMath>
+                <m:sSub>
+                  <m:e>
+                    <m:r>
+                      <a:rPr xmlns:a="http://schemas.openxmlformats.org/drawingml/2006/main" sz="1700" i="1">
+                        <a:solidFill>
+                          <a:srgbClr val="FF2600"/>
+                        </a:solidFill>
+                        <a:latin typeface="Cambria Math" panose="02040503050406030204" pitchFamily="18" charset="0"/>
+                      </a:rPr>
+                      <m:t>c</m:t>
+                    </m:r>
+                  </m:e>
+                  <m:sub>
+                    <m:r>
+                      <a:rPr xmlns:a="http://schemas.openxmlformats.org/drawingml/2006/main" sz="1700" i="1">
+                        <a:solidFill>
+                          <a:srgbClr val="FF2600"/>
+                        </a:solidFill>
+                        <a:latin typeface="Cambria Math" panose="02040503050406030204" pitchFamily="18" charset="0"/>
+                      </a:rPr>
+                      <m:t>i</m:t>
+                    </m:r>
+                    <m:r>
+                      <a:rPr xmlns:a="http://schemas.openxmlformats.org/drawingml/2006/main" sz="1700" i="1">
+                        <a:solidFill>
+                          <a:srgbClr val="FF2600"/>
+                        </a:solidFill>
+                        <a:latin typeface="Cambria Math" panose="02040503050406030204" pitchFamily="18" charset="0"/>
+                      </a:rPr>
+                      <m:t>,</m:t>
+                    </m:r>
+                    <m:r>
+                      <a:rPr xmlns:a="http://schemas.openxmlformats.org/drawingml/2006/main" sz="1700" i="1">
+                        <a:solidFill>
+                          <a:srgbClr val="FF2600"/>
+                        </a:solidFill>
+                        <a:latin typeface="Cambria Math" panose="02040503050406030204" pitchFamily="18" charset="0"/>
+                      </a:rPr>
+                      <m:t>k</m:t>
+                    </m:r>
+                  </m:sub>
+                </m:sSub>
+              </m:oMath>
+            </a14:m>
+            <a:r>
+              <a:rPr>
+                <a:solidFill>
+                  <a:srgbClr val="FF2600"/>
+                </a:solidFill>
+              </a:rPr>
+              <a:t>  </a:t>
+            </a:r>
+            <a14:m>
+              <m:oMath>
+                <m:sSub>
+                  <m:e>
+                    <m:r>
+                      <a:rPr xmlns:a="http://schemas.openxmlformats.org/drawingml/2006/main" sz="1750" i="1">
+                        <a:solidFill>
+                          <a:srgbClr val="FF2600"/>
+                        </a:solidFill>
+                        <a:latin typeface="Cambria Math" panose="02040503050406030204" pitchFamily="18" charset="0"/>
+                      </a:rPr>
+                      <m:t>c</m:t>
+                    </m:r>
+                  </m:e>
+                  <m:sub>
+                    <m:r>
+                      <a:rPr xmlns:a="http://schemas.openxmlformats.org/drawingml/2006/main" sz="1750" i="1">
+                        <a:solidFill>
+                          <a:srgbClr val="FF2600"/>
+                        </a:solidFill>
+                        <a:latin typeface="Cambria Math" panose="02040503050406030204" pitchFamily="18" charset="0"/>
+                      </a:rPr>
+                      <m:t>i</m:t>
+                    </m:r>
+                    <m:r>
+                      <a:rPr xmlns:a="http://schemas.openxmlformats.org/drawingml/2006/main" sz="1750" i="1">
+                        <a:solidFill>
+                          <a:srgbClr val="FF2600"/>
+                        </a:solidFill>
+                        <a:latin typeface="Cambria Math" panose="02040503050406030204" pitchFamily="18" charset="0"/>
+                      </a:rPr>
+                      <m:t>,</m:t>
+                    </m:r>
+                    <m:r>
+                      <a:rPr xmlns:a="http://schemas.openxmlformats.org/drawingml/2006/main" sz="1750" i="1">
+                        <a:solidFill>
+                          <a:srgbClr val="FF2600"/>
+                        </a:solidFill>
+                        <a:latin typeface="Cambria Math" panose="02040503050406030204" pitchFamily="18" charset="0"/>
+                      </a:rPr>
+                      <m:t>l</m:t>
+                    </m:r>
+                  </m:sub>
+                </m:sSub>
+              </m:oMath>
+            </a14:m>
+          </a:p>
+          <a:p>
+            <a:pPr marL="187157" indent="-187157">
+              <a:buSzPct val="100000"/>
+              <a:buAutoNum type="arabicPeriod" startAt="1"/>
+              <a:defRPr>
+                <a:solidFill>
+                  <a:schemeClr val="accent3">
+                    <a:lumOff val="-9098"/>
+                  </a:schemeClr>
+                </a:solidFill>
+              </a:defRPr>
+            </a:pPr>
+            <a:r>
+              <a:t>Now the determinant will be</a:t>
+            </a:r>
+            <a:br/>
+            <a14:m>
+              <m:oMath>
+                <m:r>
+                  <m:rPr>
+                    <m:nor/>
+                  </m:rPr>
+                  <a:rPr xmlns:a="http://schemas.openxmlformats.org/drawingml/2006/main" sz="1650" i="1">
+                    <a:solidFill>
+                      <a:srgbClr val="FF2600"/>
+                    </a:solidFill>
+                    <a:latin typeface="Cambria Math" panose="02040503050406030204" pitchFamily="18" charset="0"/>
+                  </a:rPr>
+                  <m:t>det</m:t>
+                </m:r>
+                <m:r>
+                  <a:rPr xmlns:a="http://schemas.openxmlformats.org/drawingml/2006/main" sz="1650" i="1">
+                    <a:solidFill>
+                      <a:srgbClr val="FF2600"/>
+                    </a:solidFill>
+                    <a:latin typeface="Cambria Math" panose="02040503050406030204" pitchFamily="18" charset="0"/>
+                  </a:rPr>
+                  <m:t>(</m:t>
+                </m:r>
+                <m:r>
+                  <a:rPr xmlns:a="http://schemas.openxmlformats.org/drawingml/2006/main" sz="1650" i="1">
+                    <a:solidFill>
+                      <a:srgbClr val="FF2600"/>
+                    </a:solidFill>
+                    <a:latin typeface="Cambria Math" panose="02040503050406030204" pitchFamily="18" charset="0"/>
+                  </a:rPr>
+                  <m:t>A</m:t>
+                </m:r>
+                <m:r>
+                  <a:rPr xmlns:a="http://schemas.openxmlformats.org/drawingml/2006/main" sz="1650" i="1">
+                    <a:solidFill>
+                      <a:srgbClr val="FF2600"/>
+                    </a:solidFill>
+                    <a:latin typeface="Cambria Math" panose="02040503050406030204" pitchFamily="18" charset="0"/>
+                  </a:rPr>
+                  <m:t>)</m:t>
+                </m:r>
+                <m:r>
+                  <a:rPr xmlns:a="http://schemas.openxmlformats.org/drawingml/2006/main" sz="1650" i="1">
+                    <a:solidFill>
+                      <a:srgbClr val="FF2600"/>
+                    </a:solidFill>
+                    <a:latin typeface="Cambria Math" panose="02040503050406030204" pitchFamily="18" charset="0"/>
+                  </a:rPr>
+                  <m:t>=</m:t>
+                </m:r>
+                <m:sSub>
+                  <m:e>
+                    <m:r>
+                      <a:rPr xmlns:a="http://schemas.openxmlformats.org/drawingml/2006/main" sz="1650" i="1">
+                        <a:solidFill>
+                          <a:srgbClr val="FF2600"/>
+                        </a:solidFill>
+                        <a:latin typeface="Cambria Math" panose="02040503050406030204" pitchFamily="18" charset="0"/>
+                      </a:rPr>
+                      <m:t>a</m:t>
+                    </m:r>
+                  </m:e>
+                  <m:sub>
+                    <m:r>
+                      <a:rPr xmlns:a="http://schemas.openxmlformats.org/drawingml/2006/main" sz="1650" i="1">
+                        <a:solidFill>
+                          <a:srgbClr val="FF2600"/>
+                        </a:solidFill>
+                        <a:latin typeface="Cambria Math" panose="02040503050406030204" pitchFamily="18" charset="0"/>
+                      </a:rPr>
+                      <m:t>i</m:t>
+                    </m:r>
+                    <m:r>
+                      <a:rPr xmlns:a="http://schemas.openxmlformats.org/drawingml/2006/main" sz="1650" i="1">
+                        <a:solidFill>
+                          <a:srgbClr val="FF2600"/>
+                        </a:solidFill>
+                        <a:latin typeface="Cambria Math" panose="02040503050406030204" pitchFamily="18" charset="0"/>
+                      </a:rPr>
+                      <m:t>,</m:t>
+                    </m:r>
+                    <m:r>
+                      <a:rPr xmlns:a="http://schemas.openxmlformats.org/drawingml/2006/main" sz="1650" i="1">
+                        <a:solidFill>
+                          <a:srgbClr val="FF2600"/>
+                        </a:solidFill>
+                        <a:latin typeface="Cambria Math" panose="02040503050406030204" pitchFamily="18" charset="0"/>
+                      </a:rPr>
+                      <m:t>j</m:t>
+                    </m:r>
+                  </m:sub>
+                </m:sSub>
+                <m:r>
+                  <a:rPr xmlns:a="http://schemas.openxmlformats.org/drawingml/2006/main" sz="1650" i="1">
+                    <a:solidFill>
+                      <a:srgbClr val="FF2600"/>
+                    </a:solidFill>
+                    <a:latin typeface="Cambria Math" panose="02040503050406030204" pitchFamily="18" charset="0"/>
+                  </a:rPr>
+                  <m:t>×</m:t>
+                </m:r>
+                <m:sSub>
+                  <m:e>
+                    <m:r>
+                      <a:rPr xmlns:a="http://schemas.openxmlformats.org/drawingml/2006/main" sz="1650" i="1">
+                        <a:solidFill>
+                          <a:srgbClr val="FF2600"/>
+                        </a:solidFill>
+                        <a:latin typeface="Cambria Math" panose="02040503050406030204" pitchFamily="18" charset="0"/>
+                      </a:rPr>
+                      <m:t>c</m:t>
+                    </m:r>
+                  </m:e>
+                  <m:sub>
+                    <m:r>
+                      <a:rPr xmlns:a="http://schemas.openxmlformats.org/drawingml/2006/main" sz="1650" i="1">
+                        <a:solidFill>
+                          <a:srgbClr val="FF2600"/>
+                        </a:solidFill>
+                        <a:latin typeface="Cambria Math" panose="02040503050406030204" pitchFamily="18" charset="0"/>
+                      </a:rPr>
+                      <m:t>i</m:t>
+                    </m:r>
+                    <m:r>
+                      <a:rPr xmlns:a="http://schemas.openxmlformats.org/drawingml/2006/main" sz="1650" i="1">
+                        <a:solidFill>
+                          <a:srgbClr val="FF2600"/>
+                        </a:solidFill>
+                        <a:latin typeface="Cambria Math" panose="02040503050406030204" pitchFamily="18" charset="0"/>
+                      </a:rPr>
+                      <m:t>,</m:t>
+                    </m:r>
+                    <m:r>
+                      <a:rPr xmlns:a="http://schemas.openxmlformats.org/drawingml/2006/main" sz="1650" i="1">
+                        <a:solidFill>
+                          <a:srgbClr val="FF2600"/>
+                        </a:solidFill>
+                        <a:latin typeface="Cambria Math" panose="02040503050406030204" pitchFamily="18" charset="0"/>
+                      </a:rPr>
+                      <m:t>j</m:t>
+                    </m:r>
+                  </m:sub>
+                </m:sSub>
+                <m:r>
+                  <a:rPr xmlns:a="http://schemas.openxmlformats.org/drawingml/2006/main" sz="1650" i="1">
+                    <a:solidFill>
+                      <a:srgbClr val="FF2600"/>
+                    </a:solidFill>
+                    <a:latin typeface="Cambria Math" panose="02040503050406030204" pitchFamily="18" charset="0"/>
+                  </a:rPr>
+                  <m:t>+</m:t>
+                </m:r>
+                <m:sSub>
+                  <m:e>
+                    <m:r>
+                      <a:rPr xmlns:a="http://schemas.openxmlformats.org/drawingml/2006/main" sz="1650" i="1">
+                        <a:solidFill>
+                          <a:srgbClr val="FF2600"/>
+                        </a:solidFill>
+                        <a:latin typeface="Cambria Math" panose="02040503050406030204" pitchFamily="18" charset="0"/>
+                      </a:rPr>
+                      <m:t>a</m:t>
+                    </m:r>
+                  </m:e>
+                  <m:sub>
+                    <m:r>
+                      <a:rPr xmlns:a="http://schemas.openxmlformats.org/drawingml/2006/main" sz="1650" i="1">
+                        <a:solidFill>
+                          <a:srgbClr val="FF2600"/>
+                        </a:solidFill>
+                        <a:latin typeface="Cambria Math" panose="02040503050406030204" pitchFamily="18" charset="0"/>
+                      </a:rPr>
+                      <m:t>i</m:t>
+                    </m:r>
+                    <m:r>
+                      <a:rPr xmlns:a="http://schemas.openxmlformats.org/drawingml/2006/main" sz="1650" i="1">
+                        <a:solidFill>
+                          <a:srgbClr val="FF2600"/>
+                        </a:solidFill>
+                        <a:latin typeface="Cambria Math" panose="02040503050406030204" pitchFamily="18" charset="0"/>
+                      </a:rPr>
+                      <m:t>,</m:t>
+                    </m:r>
+                    <m:r>
+                      <a:rPr xmlns:a="http://schemas.openxmlformats.org/drawingml/2006/main" sz="1650" i="1">
+                        <a:solidFill>
+                          <a:srgbClr val="FF2600"/>
+                        </a:solidFill>
+                        <a:latin typeface="Cambria Math" panose="02040503050406030204" pitchFamily="18" charset="0"/>
+                      </a:rPr>
+                      <m:t>k</m:t>
+                    </m:r>
+                  </m:sub>
+                </m:sSub>
+                <m:r>
+                  <a:rPr xmlns:a="http://schemas.openxmlformats.org/drawingml/2006/main" sz="1650" i="1">
+                    <a:solidFill>
+                      <a:srgbClr val="FF2600"/>
+                    </a:solidFill>
+                    <a:latin typeface="Cambria Math" panose="02040503050406030204" pitchFamily="18" charset="0"/>
+                  </a:rPr>
+                  <m:t>×</m:t>
+                </m:r>
+                <m:sSub>
+                  <m:e>
+                    <m:r>
+                      <a:rPr xmlns:a="http://schemas.openxmlformats.org/drawingml/2006/main" sz="1650" i="1">
+                        <a:solidFill>
+                          <a:srgbClr val="FF2600"/>
+                        </a:solidFill>
+                        <a:latin typeface="Cambria Math" panose="02040503050406030204" pitchFamily="18" charset="0"/>
+                      </a:rPr>
+                      <m:t>c</m:t>
+                    </m:r>
+                  </m:e>
+                  <m:sub>
+                    <m:r>
+                      <a:rPr xmlns:a="http://schemas.openxmlformats.org/drawingml/2006/main" sz="1650" i="1">
+                        <a:solidFill>
+                          <a:srgbClr val="FF2600"/>
+                        </a:solidFill>
+                        <a:latin typeface="Cambria Math" panose="02040503050406030204" pitchFamily="18" charset="0"/>
+                      </a:rPr>
+                      <m:t>i</m:t>
+                    </m:r>
+                    <m:r>
+                      <a:rPr xmlns:a="http://schemas.openxmlformats.org/drawingml/2006/main" sz="1650" i="1">
+                        <a:solidFill>
+                          <a:srgbClr val="FF2600"/>
+                        </a:solidFill>
+                        <a:latin typeface="Cambria Math" panose="02040503050406030204" pitchFamily="18" charset="0"/>
+                      </a:rPr>
+                      <m:t>,</m:t>
+                    </m:r>
+                    <m:r>
+                      <a:rPr xmlns:a="http://schemas.openxmlformats.org/drawingml/2006/main" sz="1650" i="1">
+                        <a:solidFill>
+                          <a:srgbClr val="FF2600"/>
+                        </a:solidFill>
+                        <a:latin typeface="Cambria Math" panose="02040503050406030204" pitchFamily="18" charset="0"/>
+                      </a:rPr>
+                      <m:t>k</m:t>
+                    </m:r>
+                  </m:sub>
+                </m:sSub>
+                <m:r>
+                  <a:rPr xmlns:a="http://schemas.openxmlformats.org/drawingml/2006/main" sz="1650" i="1">
+                    <a:solidFill>
+                      <a:srgbClr val="FF2600"/>
+                    </a:solidFill>
+                    <a:latin typeface="Cambria Math" panose="02040503050406030204" pitchFamily="18" charset="0"/>
+                  </a:rPr>
+                  <m:t>+</m:t>
+                </m:r>
+                <m:sSub>
+                  <m:e>
+                    <m:r>
+                      <a:rPr xmlns:a="http://schemas.openxmlformats.org/drawingml/2006/main" sz="1650" i="1">
+                        <a:solidFill>
+                          <a:srgbClr val="FF2600"/>
+                        </a:solidFill>
+                        <a:latin typeface="Cambria Math" panose="02040503050406030204" pitchFamily="18" charset="0"/>
+                      </a:rPr>
+                      <m:t>a</m:t>
+                    </m:r>
+                  </m:e>
+                  <m:sub>
+                    <m:r>
+                      <a:rPr xmlns:a="http://schemas.openxmlformats.org/drawingml/2006/main" sz="1650" i="1">
+                        <a:solidFill>
+                          <a:srgbClr val="FF2600"/>
+                        </a:solidFill>
+                        <a:latin typeface="Cambria Math" panose="02040503050406030204" pitchFamily="18" charset="0"/>
+                      </a:rPr>
+                      <m:t>i</m:t>
+                    </m:r>
+                    <m:r>
+                      <a:rPr xmlns:a="http://schemas.openxmlformats.org/drawingml/2006/main" sz="1650" i="1">
+                        <a:solidFill>
+                          <a:srgbClr val="FF2600"/>
+                        </a:solidFill>
+                        <a:latin typeface="Cambria Math" panose="02040503050406030204" pitchFamily="18" charset="0"/>
+                      </a:rPr>
+                      <m:t>,</m:t>
+                    </m:r>
+                    <m:r>
+                      <a:rPr xmlns:a="http://schemas.openxmlformats.org/drawingml/2006/main" sz="1650" i="1">
+                        <a:solidFill>
+                          <a:srgbClr val="FF2600"/>
+                        </a:solidFill>
+                        <a:latin typeface="Cambria Math" panose="02040503050406030204" pitchFamily="18" charset="0"/>
+                      </a:rPr>
+                      <m:t>l</m:t>
+                    </m:r>
+                  </m:sub>
+                </m:sSub>
+                <m:r>
+                  <a:rPr xmlns:a="http://schemas.openxmlformats.org/drawingml/2006/main" sz="1650" i="1">
+                    <a:solidFill>
+                      <a:srgbClr val="FF2600"/>
+                    </a:solidFill>
+                    <a:latin typeface="Cambria Math" panose="02040503050406030204" pitchFamily="18" charset="0"/>
+                  </a:rPr>
+                  <m:t>×</m:t>
+                </m:r>
+                <m:sSub>
+                  <m:e>
+                    <m:r>
+                      <a:rPr xmlns:a="http://schemas.openxmlformats.org/drawingml/2006/main" sz="1650" i="1">
+                        <a:solidFill>
+                          <a:srgbClr val="FF2600"/>
+                        </a:solidFill>
+                        <a:latin typeface="Cambria Math" panose="02040503050406030204" pitchFamily="18" charset="0"/>
+                      </a:rPr>
+                      <m:t>c</m:t>
+                    </m:r>
+                  </m:e>
+                  <m:sub>
+                    <m:r>
+                      <a:rPr xmlns:a="http://schemas.openxmlformats.org/drawingml/2006/main" sz="1650" i="1">
+                        <a:solidFill>
+                          <a:srgbClr val="FF2600"/>
+                        </a:solidFill>
+                        <a:latin typeface="Cambria Math" panose="02040503050406030204" pitchFamily="18" charset="0"/>
+                      </a:rPr>
+                      <m:t>i</m:t>
+                    </m:r>
+                    <m:r>
+                      <a:rPr xmlns:a="http://schemas.openxmlformats.org/drawingml/2006/main" sz="1650" i="1">
+                        <a:solidFill>
+                          <a:srgbClr val="FF2600"/>
+                        </a:solidFill>
+                        <a:latin typeface="Cambria Math" panose="02040503050406030204" pitchFamily="18" charset="0"/>
+                      </a:rPr>
+                      <m:t>,</m:t>
+                    </m:r>
+                    <m:r>
+                      <a:rPr xmlns:a="http://schemas.openxmlformats.org/drawingml/2006/main" sz="1650" i="1">
+                        <a:solidFill>
+                          <a:srgbClr val="FF2600"/>
+                        </a:solidFill>
+                        <a:latin typeface="Cambria Math" panose="02040503050406030204" pitchFamily="18" charset="0"/>
+                      </a:rPr>
+                      <m:t>l</m:t>
+                    </m:r>
+                  </m:sub>
+                </m:sSub>
+              </m:oMath>
+            </a14:m>
+            <a:endParaRPr>
+              <a:solidFill>
+                <a:srgbClr val="007ABA"/>
+              </a:solidFill>
+            </a:endParaRPr>
           </a:p>
         </p:txBody>
       </p:sp>
@@ -8462,7 +8154,7 @@
                                       <p:cBhvr>
                                         <p:cTn id="6" fill="hold"/>
                                         <p:tgtEl>
-                                          <p:spTgt spid="205"/>
+                                          <p:spTgt spid="201"/>
                                         </p:tgtEl>
                                         <p:attrNameLst>
                                           <p:attrName>style.visibility</p:attrName>
@@ -8506,7 +8198,7 @@
                                       <p:cBhvr>
                                         <p:cTn id="10" fill="hold"/>
                                         <p:tgtEl>
-                                          <p:spTgt spid="206"/>
+                                          <p:spTgt spid="202"/>
                                         </p:tgtEl>
                                         <p:attrNameLst>
                                           <p:attrName>style.visibility</p:attrName>
@@ -8550,139 +8242,7 @@
                                       <p:cBhvr>
                                         <p:cTn id="14" fill="hold"/>
                                         <p:tgtEl>
-                                          <p:spTgt spid="208"/>
-                                        </p:tgtEl>
-                                        <p:attrNameLst>
-                                          <p:attrName>style.visibility</p:attrName>
-                                        </p:attrNameLst>
-                                      </p:cBhvr>
-                                      <p:to>
-                                        <p:strVal val="visible"/>
-                                      </p:to>
-                                    </p:set>
-                                  </p:childTnLst>
-                                </p:cTn>
-                              </p:par>
-                            </p:childTnLst>
-                          </p:cTn>
-                        </p:par>
-                      </p:childTnLst>
-                    </p:cTn>
-                  </p:par>
-                  <p:par>
-                    <p:cTn id="15" fill="hold">
-                      <p:stCondLst>
-                        <p:cond delay="indefinite"/>
-                      </p:stCondLst>
-                      <p:childTnLst>
-                        <p:par>
-                          <p:cTn id="16" fill="hold">
-                            <p:stCondLst>
-                              <p:cond delay="0"/>
-                            </p:stCondLst>
-                            <p:childTnLst>
-                              <p:par>
-                                <p:cTn id="17" presetClass="entr" nodeType="clickEffect" presetSubtype="0" presetID="1" grpId="4" fill="hold">
-                                  <p:stCondLst>
-                                    <p:cond delay="0"/>
-                                  </p:stCondLst>
-                                  <p:iterate type="el" backwards="0">
-                                    <p:tmAbs val="0"/>
-                                  </p:iterate>
-                                  <p:childTnLst>
-                                    <p:set>
-                                      <p:cBhvr>
-                                        <p:cTn id="18" fill="hold"/>
-                                        <p:tgtEl>
-                                          <p:spTgt spid="209"/>
-                                        </p:tgtEl>
-                                        <p:attrNameLst>
-                                          <p:attrName>style.visibility</p:attrName>
-                                        </p:attrNameLst>
-                                      </p:cBhvr>
-                                      <p:to>
-                                        <p:strVal val="visible"/>
-                                      </p:to>
-                                    </p:set>
-                                  </p:childTnLst>
-                                </p:cTn>
-                              </p:par>
-                            </p:childTnLst>
-                          </p:cTn>
-                        </p:par>
-                      </p:childTnLst>
-                    </p:cTn>
-                  </p:par>
-                  <p:par>
-                    <p:cTn id="19" fill="hold">
-                      <p:stCondLst>
-                        <p:cond delay="indefinite"/>
-                      </p:stCondLst>
-                      <p:childTnLst>
-                        <p:par>
-                          <p:cTn id="20" fill="hold">
-                            <p:stCondLst>
-                              <p:cond delay="0"/>
-                            </p:stCondLst>
-                            <p:childTnLst>
-                              <p:par>
-                                <p:cTn id="21" presetClass="entr" nodeType="clickEffect" presetSubtype="0" presetID="1" grpId="5" fill="hold">
-                                  <p:stCondLst>
-                                    <p:cond delay="0"/>
-                                  </p:stCondLst>
-                                  <p:iterate type="el" backwards="0">
-                                    <p:tmAbs val="0"/>
-                                  </p:iterate>
-                                  <p:childTnLst>
-                                    <p:set>
-                                      <p:cBhvr>
-                                        <p:cTn id="22" fill="hold"/>
-                                        <p:tgtEl>
-                                          <p:spTgt spid="211"/>
-                                        </p:tgtEl>
-                                        <p:attrNameLst>
-                                          <p:attrName>style.visibility</p:attrName>
-                                        </p:attrNameLst>
-                                      </p:cBhvr>
-                                      <p:to>
-                                        <p:strVal val="visible"/>
-                                      </p:to>
-                                    </p:set>
-                                  </p:childTnLst>
-                                </p:cTn>
-                              </p:par>
-                            </p:childTnLst>
-                          </p:cTn>
-                        </p:par>
-                      </p:childTnLst>
-                    </p:cTn>
-                  </p:par>
-                  <p:par>
-                    <p:cTn id="23" fill="hold">
-                      <p:stCondLst>
-                        <p:cond delay="indefinite"/>
-                      </p:stCondLst>
-                      <p:childTnLst>
-                        <p:par>
-                          <p:cTn id="24" fill="hold">
-                            <p:stCondLst>
-                              <p:cond delay="0"/>
-                            </p:stCondLst>
-                            <p:childTnLst>
-                              <p:par>
-                                <p:cTn id="25" presetClass="entr" nodeType="clickEffect" presetSubtype="0" presetID="1" grpId="6" fill="hold">
-                                  <p:stCondLst>
-                                    <p:cond delay="0"/>
-                                  </p:stCondLst>
-                                  <p:iterate type="el" backwards="0">
-                                    <p:tmAbs val="0"/>
-                                  </p:iterate>
-                                  <p:childTnLst>
-                                    <p:set>
-                                      <p:cBhvr>
-                                        <p:cTn id="26" fill="hold"/>
-                                        <p:tgtEl>
-                                          <p:spTgt spid="210"/>
+                                          <p:spTgt spid="203"/>
                                         </p:tgtEl>
                                         <p:attrNameLst>
                                           <p:attrName>style.visibility</p:attrName>
@@ -8723,18 +8283,15 @@
       </p:par>
     </p:tnLst>
     <p:bldLst>
-      <p:bldP build="whole" bldLvl="1" animBg="1" rev="0" advAuto="0" spid="206" grpId="2"/>
-      <p:bldP build="whole" bldLvl="1" animBg="1" rev="0" advAuto="0" spid="209" grpId="4"/>
-      <p:bldP build="whole" bldLvl="1" animBg="1" rev="0" advAuto="0" spid="211" grpId="5"/>
-      <p:bldP build="whole" bldLvl="1" animBg="1" rev="0" advAuto="0" spid="210" grpId="6"/>
-      <p:bldP build="whole" bldLvl="1" animBg="1" rev="0" advAuto="0" spid="205" grpId="1"/>
-      <p:bldP build="whole" bldLvl="1" animBg="1" rev="0" advAuto="0" spid="208" grpId="3"/>
+      <p:bldP build="whole" bldLvl="1" animBg="1" rev="0" advAuto="0" spid="202" grpId="2"/>
+      <p:bldP build="whole" bldLvl="1" animBg="1" rev="0" advAuto="0" spid="203" grpId="3"/>
+      <p:bldP build="whole" bldLvl="1" animBg="1" rev="0" advAuto="0" spid="201" grpId="1"/>
     </p:bldLst>
   </p:timing>
 </p:sld>
 </file>
 
-<file path=ppt/slides/slide6.xml><?xml version="1.0" encoding="utf-8"?>
+<file path=ppt/slides/slide5.xml><?xml version="1.0" encoding="utf-8"?>
 <p:sld xmlns:a="http://schemas.openxmlformats.org/drawingml/2006/main" xmlns:r="http://schemas.openxmlformats.org/officeDocument/2006/relationships" xmlns:p="http://schemas.openxmlformats.org/presentationml/2006/main" xmlns:m="http://schemas.openxmlformats.org/officeDocument/2006/math" xmlns:a14="http://schemas.microsoft.com/office/drawing/2010/main" showMasterSp="1" showMasterPhAnim="1">
   <p:cSld>
     <p:spTree>
@@ -8753,361 +8310,14 @@
       </p:grpSpPr>
       <p:sp>
         <p:nvSpPr>
-          <p:cNvPr id="215" name="Be sure to: do the work below in your saved copy of thenAlice’s restaurant Pyret file:…"/>
+          <p:cNvPr id="208" name="Why do you think it’s important to find the cofactor and minor of a matrix (think back to framing)?…"/>
           <p:cNvSpPr txBox="1"/>
           <p:nvPr/>
         </p:nvSpPr>
         <p:spPr>
           <a:xfrm>
-            <a:off x="4286288" y="839513"/>
-            <a:ext cx="4854680" cy="1536701"/>
-          </a:xfrm>
-          <a:prstGeom prst="rect">
-            <a:avLst/>
-          </a:prstGeom>
-          <a:solidFill>
-            <a:srgbClr val="FFFFFF"/>
-          </a:solidFill>
-          <a:ln w="12700">
-            <a:solidFill>
-              <a:srgbClr val="0056D6"/>
-            </a:solidFill>
-            <a:miter lim="400000"/>
-          </a:ln>
-          <a:extLst>
-            <a:ext uri="{C572A759-6A51-4108-AA02-DFA0A04FC94B}">
-              <ma14:wrappingTextBoxFlag xmlns:ma14="http://schemas.microsoft.com/office/mac/drawingml/2011/main" val="1"/>
-            </a:ext>
-          </a:extLst>
-        </p:spPr>
-        <p:txBody>
-          <a:bodyPr lIns="0" tIns="0" rIns="0" bIns="0">
-            <a:spAutoFit/>
-          </a:bodyPr>
-          <a:lstStyle/>
-          <a:p>
-            <a:pPr>
-              <a:defRPr sz="1700">
-                <a:solidFill>
-                  <a:schemeClr val="accent5">
-                    <a:satOff val="-3088"/>
-                    <a:lumOff val="12696"/>
-                  </a:schemeClr>
-                </a:solidFill>
-              </a:defRPr>
-            </a:pPr>
-            <a:r>
-              <a:t>Independent work  </a:t>
-            </a:r>
-            <a:r>
-              <a:rPr>
-                <a:solidFill>
-                  <a:schemeClr val="accent4"/>
-                </a:solidFill>
-              </a:rPr>
-              <a:t>Be sure to:</a:t>
-            </a:r>
-            <a:endParaRPr>
-              <a:solidFill>
-                <a:schemeClr val="accent4"/>
-              </a:solidFill>
-            </a:endParaRPr>
-          </a:p>
-          <a:p>
-            <a:pPr>
-              <a:defRPr sz="1700">
-                <a:solidFill>
-                  <a:schemeClr val="accent5">
-                    <a:satOff val="-3088"/>
-                    <a:lumOff val="12696"/>
-                  </a:schemeClr>
-                </a:solidFill>
-              </a:defRPr>
-            </a:pPr>
-            <a:endParaRPr>
-              <a:solidFill>
-                <a:schemeClr val="accent3"/>
-              </a:solidFill>
-            </a:endParaRPr>
-          </a:p>
-          <a:p>
-            <a:pPr marL="227263" indent="-227263">
-              <a:buSzPct val="100000"/>
-              <a:buAutoNum type="arabicPeriod" startAt="1"/>
-              <a:defRPr sz="1700">
-                <a:solidFill>
-                  <a:schemeClr val="accent5">
-                    <a:satOff val="-3088"/>
-                    <a:lumOff val="12696"/>
-                  </a:schemeClr>
-                </a:solidFill>
-              </a:defRPr>
-            </a:pPr>
-            <a:r>
-              <a:rPr>
-                <a:solidFill>
-                  <a:schemeClr val="accent3"/>
-                </a:solidFill>
-              </a:rPr>
-              <a:t>Copy notes below (if you came in late).</a:t>
-            </a:r>
-            <a:endParaRPr>
-              <a:solidFill>
-                <a:schemeClr val="accent3"/>
-              </a:solidFill>
-            </a:endParaRPr>
-          </a:p>
-          <a:p>
-            <a:pPr marL="227263" indent="-227263">
-              <a:buSzPct val="100000"/>
-              <a:buAutoNum type="arabicPeriod" startAt="1"/>
-              <a:defRPr sz="1700">
-                <a:solidFill>
-                  <a:schemeClr val="accent5">
-                    <a:satOff val="-3088"/>
-                    <a:lumOff val="12696"/>
-                  </a:schemeClr>
-                </a:solidFill>
-              </a:defRPr>
-            </a:pPr>
-            <a:r>
-              <a:rPr>
-                <a:solidFill>
-                  <a:schemeClr val="accent3"/>
-                </a:solidFill>
-              </a:rPr>
-              <a:t>Do problems to your left in your notebook..</a:t>
-            </a:r>
-            <a:endParaRPr>
-              <a:solidFill>
-                <a:schemeClr val="accent3"/>
-              </a:solidFill>
-            </a:endParaRPr>
-          </a:p>
-          <a:p>
-            <a:pPr marL="227263" indent="-227263">
-              <a:buSzPct val="100000"/>
-              <a:buAutoNum type="arabicPeriod" startAt="1"/>
-              <a:defRPr sz="1700">
-                <a:solidFill>
-                  <a:schemeClr val="accent5">
-                    <a:satOff val="-3088"/>
-                    <a:lumOff val="12696"/>
-                  </a:schemeClr>
-                </a:solidFill>
-              </a:defRPr>
-            </a:pPr>
-            <a:r>
-              <a:rPr>
-                <a:solidFill>
-                  <a:schemeClr val="accent3"/>
-                </a:solidFill>
-              </a:rPr>
-              <a:t>Work silently for the first 4 minutes. After that you can check in with your neighbor.</a:t>
-            </a:r>
-          </a:p>
-        </p:txBody>
-      </p:sp>
-      <p:grpSp>
-        <p:nvGrpSpPr>
-          <p:cNvPr id="219" name="Group"/>
-          <p:cNvGrpSpPr/>
-          <p:nvPr/>
-        </p:nvGrpSpPr>
-        <p:grpSpPr>
-          <a:xfrm>
-            <a:off x="562476" y="986467"/>
-            <a:ext cx="3086101" cy="3370302"/>
-            <a:chOff x="0" y="0"/>
-            <a:chExt cx="3086100" cy="3370301"/>
-          </a:xfrm>
-        </p:grpSpPr>
-        <p:sp>
-          <p:nvSpPr>
-            <p:cNvPr id="216" name="Group"/>
-            <p:cNvSpPr/>
-            <p:nvPr/>
-          </p:nvSpPr>
-          <p:spPr>
-            <a:xfrm>
-              <a:off x="626499" y="0"/>
-              <a:ext cx="2115386" cy="0"/>
-            </a:xfrm>
-            <a:custGeom>
-              <a:avLst/>
-              <a:gdLst/>
-              <a:ahLst/>
-              <a:cxnLst>
-                <a:cxn ang="0">
-                  <a:pos x="wd2" y="hd2"/>
-                </a:cxn>
-                <a:cxn ang="5400000">
-                  <a:pos x="wd2" y="hd2"/>
-                </a:cxn>
-                <a:cxn ang="10800000">
-                  <a:pos x="wd2" y="hd2"/>
-                </a:cxn>
-                <a:cxn ang="16200000">
-                  <a:pos x="wd2" y="hd2"/>
-                </a:cxn>
-              </a:cxnLst>
-              <a:rect l="0" t="0" r="r" b="b"/>
-              <a:pathLst>
-                <a:path w="21600" h="0" fill="norm" stroke="1" extrusionOk="0">
-                  <a:moveTo>
-                    <a:pt x="0" y="0"/>
-                  </a:moveTo>
-                  <a:lnTo>
-                    <a:pt x="21600" y="0"/>
-                  </a:lnTo>
-                  <a:lnTo>
-                    <a:pt x="21600" y="0"/>
-                  </a:lnTo>
-                  <a:lnTo>
-                    <a:pt x="0" y="0"/>
-                  </a:lnTo>
-                  <a:close/>
-                </a:path>
-              </a:pathLst>
-            </a:custGeom>
-            <a:noFill/>
-            <a:ln w="12700" cap="flat">
-              <a:noFill/>
-              <a:miter lim="400000"/>
-            </a:ln>
-            <a:effectLst/>
-            <a:extLst>
-              <a:ext uri="{C572A759-6A51-4108-AA02-DFA0A04FC94B}">
-                <ma14:wrappingTextBoxFlag xmlns:ma14="http://schemas.microsoft.com/office/mac/drawingml/2011/main" val="1"/>
-              </a:ext>
-            </a:extLst>
-          </p:spPr>
-          <p:txBody>
-            <a:bodyPr wrap="square" lIns="0" tIns="0" rIns="0" bIns="0" numCol="1" anchor="t">
-              <a:spAutoFit/>
-            </a:bodyPr>
-            <a:lstStyle/>
-            <a:p>
-              <a:pPr marL="228600" indent="-228600">
-                <a:buSzPct val="100000"/>
-                <a:buAutoNum type="arabicPeriod" startAt="1"/>
-                <a:defRPr sz="1200"/>
-              </a:pPr>
-              <a:r>
-                <a:t>For A and B below: (i) Find det(A), (ii) Find det(B), then find det(AB). What do you notice?</a:t>
-              </a:r>
-            </a:p>
-            <a:p>
-              <a:pPr>
-                <a:defRPr sz="1200"/>
-              </a:pPr>
-            </a:p>
-            <a:p>
-              <a:pPr>
-                <a:defRPr sz="1200"/>
-              </a:pPr>
-            </a:p>
-            <a:p>
-              <a:pPr>
-                <a:defRPr sz="1200"/>
-              </a:pPr>
-            </a:p>
-            <a:p>
-              <a:pPr>
-                <a:defRPr sz="1200"/>
-              </a:pPr>
-            </a:p>
-            <a:p>
-              <a:pPr>
-                <a:defRPr sz="1200"/>
-              </a:pPr>
-            </a:p>
-            <a:p>
-              <a:pPr marL="228600" indent="-228600">
-                <a:buSzPct val="100000"/>
-                <a:buAutoNum type="arabicPeriod" startAt="2"/>
-                <a:defRPr sz="1200"/>
-              </a:pPr>
-              <a:r>
-                <a:t>Find all the minors and cofactors for the matrix below:</a:t>
-              </a:r>
-            </a:p>
-          </p:txBody>
-        </p:sp>
-        <p:pic>
-          <p:nvPicPr>
-            <p:cNvPr id="217" name="Image" descr="Image"/>
-            <p:cNvPicPr>
-              <a:picLocks noChangeAspect="1"/>
-            </p:cNvPicPr>
-            <p:nvPr/>
-          </p:nvPicPr>
-          <p:blipFill>
-            <a:blip r:embed="rId3">
-              <a:extLst/>
-            </a:blip>
-            <a:srcRect l="5810" t="0" r="0" b="0"/>
-            <a:stretch>
-              <a:fillRect/>
-            </a:stretch>
-          </p:blipFill>
-          <p:spPr>
-            <a:xfrm>
-              <a:off x="831161" y="2367001"/>
-              <a:ext cx="1818231" cy="1003301"/>
-            </a:xfrm>
-            <a:prstGeom prst="rect">
-              <a:avLst/>
-            </a:prstGeom>
-            <a:ln w="12700" cap="flat">
-              <a:noFill/>
-              <a:miter lim="400000"/>
-            </a:ln>
-            <a:effectLst/>
-          </p:spPr>
-        </p:pic>
-        <p:pic>
-          <p:nvPicPr>
-            <p:cNvPr id="218" name="Image" descr="Image"/>
-            <p:cNvPicPr>
-              <a:picLocks noChangeAspect="1"/>
-            </p:cNvPicPr>
-            <p:nvPr/>
-          </p:nvPicPr>
-          <p:blipFill>
-            <a:blip r:embed="rId4">
-              <a:extLst/>
-            </a:blip>
-            <a:stretch>
-              <a:fillRect/>
-            </a:stretch>
-          </p:blipFill>
-          <p:spPr>
-            <a:xfrm>
-              <a:off x="0" y="831850"/>
-              <a:ext cx="3086100" cy="647700"/>
-            </a:xfrm>
-            <a:prstGeom prst="rect">
-              <a:avLst/>
-            </a:prstGeom>
-            <a:ln w="12700" cap="flat">
-              <a:noFill/>
-              <a:miter lim="400000"/>
-            </a:ln>
-            <a:effectLst/>
-          </p:spPr>
-        </p:pic>
-      </p:grpSp>
-      <p:sp>
-        <p:nvSpPr>
-          <p:cNvPr id="220" name="Group"/>
-          <p:cNvSpPr txBox="1"/>
-          <p:nvPr/>
-        </p:nvSpPr>
-        <p:spPr>
-          <a:xfrm>
-            <a:off x="4246449" y="2587959"/>
-            <a:ext cx="4381971" cy="584592"/>
+            <a:off x="778973" y="1600200"/>
+            <a:ext cx="3278433" cy="1079500"/>
           </a:xfrm>
           <a:prstGeom prst="rect">
             <a:avLst/>
@@ -9122,247 +8332,80 @@
           </a:extLst>
         </p:spPr>
         <p:txBody>
-          <a:bodyPr lIns="0" tIns="0" rIns="0" bIns="0"/>
+          <a:bodyPr lIns="0" tIns="0" rIns="0" bIns="0">
+            <a:spAutoFit/>
+          </a:bodyPr>
           <a:lstStyle/>
           <a:p>
-            <a:pPr>
-              <a:defRPr>
-                <a:solidFill>
-                  <a:srgbClr val="4D22B2"/>
-                </a:solidFill>
-              </a:defRPr>
+            <a:pPr marL="187157" indent="-187157">
+              <a:buSzPct val="100000"/>
+              <a:buAutoNum type="arabicPeriod" startAt="1"/>
             </a:pPr>
             <a:r>
-              <a:t>Minor</a:t>
-            </a:r>
-          </a:p>
-          <a:p>
-            <a:pPr/>
-            <a:r>
-              <a:t>The </a:t>
-            </a:r>
-            <a:r>
-              <a:rPr>
-                <a:solidFill>
-                  <a:srgbClr val="FF6A00"/>
-                </a:solidFill>
-              </a:rPr>
-              <a:t>minor</a:t>
-            </a:r>
-            <a:r>
-              <a:rPr>
-                <a:solidFill>
-                  <a:schemeClr val="accent1">
-                    <a:lumOff val="-6117"/>
-                  </a:schemeClr>
-                </a:solidFill>
-              </a:rPr>
-              <a:t> </a:t>
-            </a:r>
-            <a14:m>
-              <m:oMath>
-                <m:sSub>
-                  <m:e>
-                    <m:r>
-                      <a:rPr xmlns:a="http://schemas.openxmlformats.org/drawingml/2006/main" sz="1650" i="1">
-                        <a:solidFill>
-                          <a:srgbClr val="00457C"/>
-                        </a:solidFill>
-                        <a:latin typeface="Cambria Math" panose="02040503050406030204" pitchFamily="18" charset="0"/>
-                      </a:rPr>
-                      <m:t>M</m:t>
-                    </m:r>
-                  </m:e>
-                  <m:sub>
-                    <m:r>
-                      <a:rPr xmlns:a="http://schemas.openxmlformats.org/drawingml/2006/main" sz="1650" i="1">
-                        <a:solidFill>
-                          <a:srgbClr val="00457C"/>
-                        </a:solidFill>
-                        <a:latin typeface="Cambria Math" panose="02040503050406030204" pitchFamily="18" charset="0"/>
-                      </a:rPr>
-                      <m:t>i</m:t>
-                    </m:r>
-                    <m:r>
-                      <a:rPr xmlns:a="http://schemas.openxmlformats.org/drawingml/2006/main" sz="1650" i="1">
-                        <a:solidFill>
-                          <a:srgbClr val="00457C"/>
-                        </a:solidFill>
-                        <a:latin typeface="Cambria Math" panose="02040503050406030204" pitchFamily="18" charset="0"/>
-                      </a:rPr>
-                      <m:t>,</m:t>
-                    </m:r>
-                    <m:r>
-                      <a:rPr xmlns:a="http://schemas.openxmlformats.org/drawingml/2006/main" sz="1650" i="1">
-                        <a:solidFill>
-                          <a:srgbClr val="00457C"/>
-                        </a:solidFill>
-                        <a:latin typeface="Cambria Math" panose="02040503050406030204" pitchFamily="18" charset="0"/>
-                      </a:rPr>
-                      <m:t>j</m:t>
-                    </m:r>
-                  </m:sub>
-                </m:sSub>
-              </m:oMath>
-            </a14:m>
-            <a:r>
-              <a:rPr>
-                <a:solidFill>
-                  <a:schemeClr val="accent1">
-                    <a:lumOff val="-6117"/>
-                  </a:schemeClr>
-                </a:solidFill>
-              </a:rPr>
-              <a:t> </a:t>
-            </a:r>
-            <a:r>
-              <a:t> for entry </a:t>
-            </a:r>
-            <a14:m>
-              <m:oMath>
-                <m:sSub>
-                  <m:e>
-                    <m:r>
-                      <a:rPr xmlns:a="http://schemas.openxmlformats.org/drawingml/2006/main" sz="1650" i="1">
-                        <a:solidFill>
-                          <a:srgbClr val="011D57"/>
-                        </a:solidFill>
-                        <a:latin typeface="Cambria Math" panose="02040503050406030204" pitchFamily="18" charset="0"/>
-                      </a:rPr>
-                      <m:t>a</m:t>
-                    </m:r>
-                  </m:e>
-                  <m:sub>
-                    <m:r>
-                      <a:rPr xmlns:a="http://schemas.openxmlformats.org/drawingml/2006/main" sz="1650" i="1">
-                        <a:solidFill>
-                          <a:srgbClr val="011D57"/>
-                        </a:solidFill>
-                        <a:latin typeface="Cambria Math" panose="02040503050406030204" pitchFamily="18" charset="0"/>
-                      </a:rPr>
-                      <m:t>i</m:t>
-                    </m:r>
-                    <m:r>
-                      <a:rPr xmlns:a="http://schemas.openxmlformats.org/drawingml/2006/main" sz="1650" i="1">
-                        <a:solidFill>
-                          <a:srgbClr val="011D57"/>
-                        </a:solidFill>
-                        <a:latin typeface="Cambria Math" panose="02040503050406030204" pitchFamily="18" charset="0"/>
-                      </a:rPr>
-                      <m:t>,</m:t>
-                    </m:r>
-                    <m:r>
-                      <a:rPr xmlns:a="http://schemas.openxmlformats.org/drawingml/2006/main" sz="1650" i="1">
-                        <a:solidFill>
-                          <a:srgbClr val="011D57"/>
-                        </a:solidFill>
-                        <a:latin typeface="Cambria Math" panose="02040503050406030204" pitchFamily="18" charset="0"/>
-                      </a:rPr>
-                      <m:t>j</m:t>
-                    </m:r>
-                  </m:sub>
-                </m:sSub>
-              </m:oMath>
-            </a14:m>
-            <a:r>
-              <a:t> is the determinant of the</a:t>
-            </a:r>
-          </a:p>
-          <a:p>
-            <a:pPr/>
-            <a:r>
-              <a:t> matrix gotten by deleting  </a:t>
-            </a:r>
-            <a:r>
-              <a:rPr>
-                <a:solidFill>
-                  <a:srgbClr val="011D57"/>
-                </a:solidFill>
-              </a:rPr>
-              <a:t>row </a:t>
-            </a:r>
-            <a14:m>
-              <m:oMath>
-                <m:r>
-                  <a:rPr xmlns:a="http://schemas.openxmlformats.org/drawingml/2006/main" sz="1850" i="1">
-                    <a:solidFill>
-                      <a:srgbClr val="011D57"/>
-                    </a:solidFill>
-                    <a:latin typeface="Cambria Math" panose="02040503050406030204" pitchFamily="18" charset="0"/>
-                  </a:rPr>
-                  <m:t>i</m:t>
-                </m:r>
-              </m:oMath>
-            </a14:m>
-            <a:r>
-              <a:rPr>
-                <a:solidFill>
-                  <a:srgbClr val="011D57"/>
-                </a:solidFill>
-              </a:rPr>
-              <a:t> </a:t>
-            </a:r>
-            <a:r>
-              <a:rPr>
-                <a:solidFill>
-                  <a:srgbClr val="FF6A00"/>
-                </a:solidFill>
-              </a:rPr>
-              <a:t>and</a:t>
-            </a:r>
-            <a:r>
-              <a:rPr>
-                <a:solidFill>
-                  <a:srgbClr val="011D57"/>
-                </a:solidFill>
-              </a:rPr>
-              <a:t> column </a:t>
-            </a:r>
-            <a14:m>
-              <m:oMath>
-                <m:r>
-                  <a:rPr xmlns:a="http://schemas.openxmlformats.org/drawingml/2006/main" sz="1000" i="1">
-                    <a:solidFill>
-                      <a:srgbClr val="011D57"/>
-                    </a:solidFill>
-                    <a:latin typeface="Cambria Math" panose="02040503050406030204" pitchFamily="18" charset="0"/>
-                  </a:rPr>
-                  <m:t>j</m:t>
-                </m:r>
-              </m:oMath>
-            </a14:m>
-            <a:r>
-              <a:rPr>
-                <a:solidFill>
-                  <a:srgbClr val="011D57"/>
-                </a:solidFill>
-              </a:rPr>
-              <a:t>.</a:t>
-            </a:r>
-            <a:endParaRPr>
-              <a:solidFill>
-                <a:srgbClr val="011D57"/>
-              </a:solidFill>
-            </a:endParaRPr>
+              <a:t>Why do you think it’s important to find the cofactor and minor of a matrix (think back to framing)?</a:t>
+            </a:r>
+          </a:p>
+          <a:p>
+            <a:pPr marL="187157" indent="-187157">
+              <a:buSzPct val="100000"/>
+              <a:buAutoNum type="arabicPeriod" startAt="1"/>
+            </a:pPr>
+            <a:r>
+              <a:t>What’s one thing you’d like to understand better after today’s lesson?</a:t>
+            </a:r>
           </a:p>
         </p:txBody>
       </p:sp>
+      <p:pic>
+        <p:nvPicPr>
+          <p:cNvPr id="209" name="Image" descr="Image"/>
+          <p:cNvPicPr>
+            <a:picLocks noChangeAspect="1"/>
+          </p:cNvPicPr>
+          <p:nvPr/>
+        </p:nvPicPr>
+        <p:blipFill>
+          <a:blip r:embed="rId3">
+            <a:extLst/>
+          </a:blip>
+          <a:stretch>
+            <a:fillRect/>
+          </a:stretch>
+        </p:blipFill>
+        <p:spPr>
+          <a:xfrm>
+            <a:off x="4616052" y="1554712"/>
+            <a:ext cx="3053022" cy="2034076"/>
+          </a:xfrm>
+          <a:prstGeom prst="rect">
+            <a:avLst/>
+          </a:prstGeom>
+          <a:ln w="12700">
+            <a:miter lim="400000"/>
+          </a:ln>
+        </p:spPr>
+      </p:pic>
       <p:sp>
         <p:nvSpPr>
-          <p:cNvPr id="221" name="Group"/>
+          <p:cNvPr id="210" name="Reflection: Thinking about thinking…"/>
           <p:cNvSpPr txBox="1"/>
           <p:nvPr/>
         </p:nvSpPr>
         <p:spPr>
           <a:xfrm>
-            <a:off x="4339498" y="3536121"/>
-            <a:ext cx="5947259" cy="793415"/>
+            <a:off x="1404467" y="357128"/>
+            <a:ext cx="7302728" cy="939691"/>
           </a:xfrm>
           <a:prstGeom prst="rect">
             <a:avLst/>
           </a:prstGeom>
-          <a:ln w="12700">
-            <a:miter lim="400000"/>
+          <a:solidFill>
+            <a:srgbClr val="FFFFFF"/>
+          </a:solidFill>
+          <a:ln w="25400">
+            <a:solidFill>
+              <a:schemeClr val="accent1"/>
+            </a:solidFill>
           </a:ln>
           <a:extLst>
             <a:ext uri="{C572A759-6A51-4108-AA02-DFA0A04FC94B}">
@@ -9371,337 +8414,54 @@
           </a:extLst>
         </p:spPr>
         <p:txBody>
-          <a:bodyPr lIns="0" tIns="0" rIns="0" bIns="0"/>
+          <a:bodyPr lIns="91422" tIns="91422" rIns="91422" bIns="91422">
+            <a:normAutofit fontScale="100000" lnSpcReduction="0"/>
+          </a:bodyPr>
           <a:lstStyle/>
           <a:p>
-            <a:pPr>
-              <a:defRPr>
+            <a:pPr defTabSz="813816">
+              <a:defRPr sz="2100">
+                <a:latin typeface="+mn-lt"/>
+                <a:ea typeface="+mn-ea"/>
+                <a:cs typeface="+mn-cs"/>
+                <a:sym typeface="Arial"/>
+              </a:defRPr>
+            </a:pPr>
+            <a:r>
+              <a:t>Reflection: Thinking about thinking</a:t>
+            </a:r>
+          </a:p>
+          <a:p>
+            <a:pPr defTabSz="813816">
+              <a:defRPr sz="1200">
                 <a:solidFill>
-                  <a:srgbClr val="4D22B2"/>
+                  <a:schemeClr val="accent5"/>
                 </a:solidFill>
               </a:defRPr>
             </a:pPr>
             <a:r>
-              <a:t>Cofactor</a:t>
-            </a:r>
-          </a:p>
-          <a:p>
-            <a:pPr/>
-            <a:r>
-              <a:t>The </a:t>
+              <a:t>be sure to:</a:t>
             </a:r>
             <a:r>
               <a:rPr>
                 <a:solidFill>
-                  <a:srgbClr val="FF6A00"/>
-                </a:solidFill>
-              </a:rPr>
-              <a:t>cofactor</a:t>
-            </a:r>
-            <a:r>
-              <a:rPr>
-                <a:solidFill>
-                  <a:schemeClr val="accent1">
-                    <a:lumOff val="-6117"/>
+                  <a:schemeClr val="accent5">
+                    <a:lumOff val="-9843"/>
                   </a:schemeClr>
                 </a:solidFill>
               </a:rPr>
               <a:t> </a:t>
             </a:r>
-            <a14:m>
-              <m:oMath>
-                <m:sSub>
-                  <m:e>
-                    <m:r>
-                      <a:rPr xmlns:a="http://schemas.openxmlformats.org/drawingml/2006/main" sz="1750" i="1">
-                        <a:solidFill>
-                          <a:srgbClr val="00457C"/>
-                        </a:solidFill>
-                        <a:latin typeface="Cambria Math" panose="02040503050406030204" pitchFamily="18" charset="0"/>
-                      </a:rPr>
-                      <m:t>C</m:t>
-                    </m:r>
-                  </m:e>
-                  <m:sub>
-                    <m:r>
-                      <a:rPr xmlns:a="http://schemas.openxmlformats.org/drawingml/2006/main" sz="1750" i="1">
-                        <a:solidFill>
-                          <a:srgbClr val="00457C"/>
-                        </a:solidFill>
-                        <a:latin typeface="Cambria Math" panose="02040503050406030204" pitchFamily="18" charset="0"/>
-                      </a:rPr>
-                      <m:t>i</m:t>
-                    </m:r>
-                    <m:r>
-                      <a:rPr xmlns:a="http://schemas.openxmlformats.org/drawingml/2006/main" sz="1750" i="1">
-                        <a:solidFill>
-                          <a:srgbClr val="00457C"/>
-                        </a:solidFill>
-                        <a:latin typeface="Cambria Math" panose="02040503050406030204" pitchFamily="18" charset="0"/>
-                      </a:rPr>
-                      <m:t>,</m:t>
-                    </m:r>
-                    <m:r>
-                      <a:rPr xmlns:a="http://schemas.openxmlformats.org/drawingml/2006/main" sz="1750" i="1">
-                        <a:solidFill>
-                          <a:srgbClr val="00457C"/>
-                        </a:solidFill>
-                        <a:latin typeface="Cambria Math" panose="02040503050406030204" pitchFamily="18" charset="0"/>
-                      </a:rPr>
-                      <m:t>j</m:t>
-                    </m:r>
-                  </m:sub>
-                </m:sSub>
-              </m:oMath>
-            </a14:m>
             <a:r>
               <a:rPr>
                 <a:solidFill>
-                  <a:schemeClr val="accent1">
-                    <a:lumOff val="-6117"/>
+                  <a:schemeClr val="accent3">
+                    <a:lumOff val="-9098"/>
                   </a:schemeClr>
                 </a:solidFill>
               </a:rPr>
-              <a:t> </a:t>
-            </a:r>
-            <a:r>
-              <a:t> for entry </a:t>
-            </a:r>
-            <a14:m>
-              <m:oMath>
-                <m:sSub>
-                  <m:e>
-                    <m:r>
-                      <a:rPr xmlns:a="http://schemas.openxmlformats.org/drawingml/2006/main" sz="1650" i="1">
-                        <a:solidFill>
-                          <a:srgbClr val="011D57"/>
-                        </a:solidFill>
-                        <a:latin typeface="Cambria Math" panose="02040503050406030204" pitchFamily="18" charset="0"/>
-                      </a:rPr>
-                      <m:t>a</m:t>
-                    </m:r>
-                  </m:e>
-                  <m:sub>
-                    <m:r>
-                      <a:rPr xmlns:a="http://schemas.openxmlformats.org/drawingml/2006/main" sz="1650" i="1">
-                        <a:solidFill>
-                          <a:srgbClr val="011D57"/>
-                        </a:solidFill>
-                        <a:latin typeface="Cambria Math" panose="02040503050406030204" pitchFamily="18" charset="0"/>
-                      </a:rPr>
-                      <m:t>i</m:t>
-                    </m:r>
-                    <m:r>
-                      <a:rPr xmlns:a="http://schemas.openxmlformats.org/drawingml/2006/main" sz="1650" i="1">
-                        <a:solidFill>
-                          <a:srgbClr val="011D57"/>
-                        </a:solidFill>
-                        <a:latin typeface="Cambria Math" panose="02040503050406030204" pitchFamily="18" charset="0"/>
-                      </a:rPr>
-                      <m:t>,</m:t>
-                    </m:r>
-                    <m:r>
-                      <a:rPr xmlns:a="http://schemas.openxmlformats.org/drawingml/2006/main" sz="1650" i="1">
-                        <a:solidFill>
-                          <a:srgbClr val="011D57"/>
-                        </a:solidFill>
-                        <a:latin typeface="Cambria Math" panose="02040503050406030204" pitchFamily="18" charset="0"/>
-                      </a:rPr>
-                      <m:t>j</m:t>
-                    </m:r>
-                  </m:sub>
-                </m:sSub>
-              </m:oMath>
-            </a14:m>
-            <a:r>
-              <a:t>  is given by</a:t>
-            </a:r>
-          </a:p>
-          <a:p>
-            <a:pPr/>
-            <a:r>
-              <a:t> </a:t>
-            </a:r>
-            <a14:m>
-              <m:oMath>
-                <m:sSub>
-                  <m:e>
-                    <m:r>
-                      <a:rPr xmlns:a="http://schemas.openxmlformats.org/drawingml/2006/main" sz="1700" i="1">
-                        <a:solidFill>
-                          <a:srgbClr val="007AB9"/>
-                        </a:solidFill>
-                        <a:latin typeface="Cambria Math" panose="02040503050406030204" pitchFamily="18" charset="0"/>
-                      </a:rPr>
-                      <m:t>C</m:t>
-                    </m:r>
-                  </m:e>
-                  <m:sub>
-                    <m:r>
-                      <a:rPr xmlns:a="http://schemas.openxmlformats.org/drawingml/2006/main" sz="1700" i="1">
-                        <a:solidFill>
-                          <a:srgbClr val="007AB9"/>
-                        </a:solidFill>
-                        <a:latin typeface="Cambria Math" panose="02040503050406030204" pitchFamily="18" charset="0"/>
-                      </a:rPr>
-                      <m:t>i</m:t>
-                    </m:r>
-                    <m:r>
-                      <a:rPr xmlns:a="http://schemas.openxmlformats.org/drawingml/2006/main" sz="1700" i="1">
-                        <a:solidFill>
-                          <a:srgbClr val="007AB9"/>
-                        </a:solidFill>
-                        <a:latin typeface="Cambria Math" panose="02040503050406030204" pitchFamily="18" charset="0"/>
-                      </a:rPr>
-                      <m:t>,</m:t>
-                    </m:r>
-                    <m:r>
-                      <a:rPr xmlns:a="http://schemas.openxmlformats.org/drawingml/2006/main" sz="1700" i="1">
-                        <a:solidFill>
-                          <a:srgbClr val="007AB9"/>
-                        </a:solidFill>
-                        <a:latin typeface="Cambria Math" panose="02040503050406030204" pitchFamily="18" charset="0"/>
-                      </a:rPr>
-                      <m:t>j</m:t>
-                    </m:r>
-                  </m:sub>
-                </m:sSub>
-                <m:r>
-                  <a:rPr xmlns:a="http://schemas.openxmlformats.org/drawingml/2006/main" sz="1700" i="1">
-                    <a:solidFill>
-                      <a:srgbClr val="007AB9"/>
-                    </a:solidFill>
-                    <a:latin typeface="Cambria Math" panose="02040503050406030204" pitchFamily="18" charset="0"/>
-                  </a:rPr>
-                  <m:t>=</m:t>
-                </m:r>
-                <m:r>
-                  <a:rPr xmlns:a="http://schemas.openxmlformats.org/drawingml/2006/main" sz="1700" i="1">
-                    <a:solidFill>
-                      <a:srgbClr val="007AB9"/>
-                    </a:solidFill>
-                    <a:latin typeface="Cambria Math" panose="02040503050406030204" pitchFamily="18" charset="0"/>
-                  </a:rPr>
-                  <m:t>(</m:t>
-                </m:r>
-                <m:r>
-                  <a:rPr xmlns:a="http://schemas.openxmlformats.org/drawingml/2006/main" sz="1700" i="1">
-                    <a:solidFill>
-                      <a:srgbClr val="007AB9"/>
-                    </a:solidFill>
-                    <a:latin typeface="Cambria Math" panose="02040503050406030204" pitchFamily="18" charset="0"/>
-                  </a:rPr>
-                  <m:t>-</m:t>
-                </m:r>
-                <m:r>
-                  <a:rPr xmlns:a="http://schemas.openxmlformats.org/drawingml/2006/main" sz="1700" i="1">
-                    <a:solidFill>
-                      <a:srgbClr val="007AB9"/>
-                    </a:solidFill>
-                    <a:latin typeface="Cambria Math" panose="02040503050406030204" pitchFamily="18" charset="0"/>
-                  </a:rPr>
-                  <m:t>1</m:t>
-                </m:r>
-                <m:sSup>
-                  <m:e>
-                    <m:r>
-                      <a:rPr xmlns:a="http://schemas.openxmlformats.org/drawingml/2006/main" sz="1700" i="1">
-                        <a:solidFill>
-                          <a:srgbClr val="007AB9"/>
-                        </a:solidFill>
-                        <a:latin typeface="Cambria Math" panose="02040503050406030204" pitchFamily="18" charset="0"/>
-                      </a:rPr>
-                      <m:t>)</m:t>
-                    </m:r>
-                  </m:e>
-                  <m:sup>
-                    <m:r>
-                      <a:rPr xmlns:a="http://schemas.openxmlformats.org/drawingml/2006/main" sz="1700" i="1">
-                        <a:solidFill>
-                          <a:srgbClr val="007AB9"/>
-                        </a:solidFill>
-                        <a:latin typeface="Cambria Math" panose="02040503050406030204" pitchFamily="18" charset="0"/>
-                      </a:rPr>
-                      <m:t>i</m:t>
-                    </m:r>
-                    <m:r>
-                      <a:rPr xmlns:a="http://schemas.openxmlformats.org/drawingml/2006/main" sz="1700" i="1">
-                        <a:solidFill>
-                          <a:srgbClr val="007AB9"/>
-                        </a:solidFill>
-                        <a:latin typeface="Cambria Math" panose="02040503050406030204" pitchFamily="18" charset="0"/>
-                      </a:rPr>
-                      <m:t>+</m:t>
-                    </m:r>
-                    <m:r>
-                      <a:rPr xmlns:a="http://schemas.openxmlformats.org/drawingml/2006/main" sz="1700" i="1">
-                        <a:solidFill>
-                          <a:srgbClr val="007AB9"/>
-                        </a:solidFill>
-                        <a:latin typeface="Cambria Math" panose="02040503050406030204" pitchFamily="18" charset="0"/>
-                      </a:rPr>
-                      <m:t>j</m:t>
-                    </m:r>
-                  </m:sup>
-                </m:sSup>
-                <m:r>
-                  <a:rPr xmlns:a="http://schemas.openxmlformats.org/drawingml/2006/main" sz="1700" i="1">
-                    <a:solidFill>
-                      <a:srgbClr val="007AB9"/>
-                    </a:solidFill>
-                    <a:latin typeface="Cambria Math" panose="02040503050406030204" pitchFamily="18" charset="0"/>
-                  </a:rPr>
-                  <m:t>×</m:t>
-                </m:r>
-                <m:sSub>
-                  <m:e>
-                    <m:r>
-                      <a:rPr xmlns:a="http://schemas.openxmlformats.org/drawingml/2006/main" sz="1700" i="1">
-                        <a:solidFill>
-                          <a:srgbClr val="007AB9"/>
-                        </a:solidFill>
-                        <a:latin typeface="Cambria Math" panose="02040503050406030204" pitchFamily="18" charset="0"/>
-                      </a:rPr>
-                      <m:t>M</m:t>
-                    </m:r>
-                  </m:e>
-                  <m:sub>
-                    <m:r>
-                      <a:rPr xmlns:a="http://schemas.openxmlformats.org/drawingml/2006/main" sz="1700" i="1">
-                        <a:solidFill>
-                          <a:srgbClr val="007AB9"/>
-                        </a:solidFill>
-                        <a:latin typeface="Cambria Math" panose="02040503050406030204" pitchFamily="18" charset="0"/>
-                      </a:rPr>
-                      <m:t>i</m:t>
-                    </m:r>
-                    <m:r>
-                      <a:rPr xmlns:a="http://schemas.openxmlformats.org/drawingml/2006/main" sz="1700" i="1">
-                        <a:solidFill>
-                          <a:srgbClr val="007AB9"/>
-                        </a:solidFill>
-                        <a:latin typeface="Cambria Math" panose="02040503050406030204" pitchFamily="18" charset="0"/>
-                      </a:rPr>
-                      <m:t>,</m:t>
-                    </m:r>
-                    <m:r>
-                      <a:rPr xmlns:a="http://schemas.openxmlformats.org/drawingml/2006/main" sz="1700" i="1">
-                        <a:solidFill>
-                          <a:srgbClr val="007AB9"/>
-                        </a:solidFill>
-                        <a:latin typeface="Cambria Math" panose="02040503050406030204" pitchFamily="18" charset="0"/>
-                      </a:rPr>
-                      <m:t>j</m:t>
-                    </m:r>
-                  </m:sub>
-                </m:sSub>
-              </m:oMath>
-            </a14:m>
-            <a:endParaRPr>
-              <a:solidFill>
-                <a:srgbClr val="007ABA"/>
-              </a:solidFill>
-            </a:endParaRPr>
+              <a:t>Answer each question below with a complete sentence. Be prepared to share out!</a:t>
+            </a:r>
           </a:p>
         </p:txBody>
       </p:sp>
@@ -9744,312 +8504,7 @@
                                       <p:cBhvr>
                                         <p:cTn id="6" fill="hold"/>
                                         <p:tgtEl>
-                                          <p:spTgt spid="220"/>
-                                        </p:tgtEl>
-                                        <p:attrNameLst>
-                                          <p:attrName>style.visibility</p:attrName>
-                                        </p:attrNameLst>
-                                      </p:cBhvr>
-                                      <p:to>
-                                        <p:strVal val="visible"/>
-                                      </p:to>
-                                    </p:set>
-                                  </p:childTnLst>
-                                </p:cTn>
-                              </p:par>
-                            </p:childTnLst>
-                          </p:cTn>
-                        </p:par>
-                      </p:childTnLst>
-                    </p:cTn>
-                  </p:par>
-                  <p:par>
-                    <p:cTn id="7" fill="hold">
-                      <p:stCondLst>
-                        <p:cond delay="indefinite"/>
-                      </p:stCondLst>
-                      <p:childTnLst>
-                        <p:par>
-                          <p:cTn id="8" fill="hold">
-                            <p:stCondLst>
-                              <p:cond delay="0"/>
-                            </p:stCondLst>
-                            <p:childTnLst>
-                              <p:par>
-                                <p:cTn id="9" presetClass="entr" nodeType="clickEffect" presetSubtype="0" presetID="1" grpId="2" fill="hold">
-                                  <p:stCondLst>
-                                    <p:cond delay="0"/>
-                                  </p:stCondLst>
-                                  <p:iterate type="el" backwards="0">
-                                    <p:tmAbs val="0"/>
-                                  </p:iterate>
-                                  <p:childTnLst>
-                                    <p:set>
-                                      <p:cBhvr>
-                                        <p:cTn id="10" fill="hold"/>
-                                        <p:tgtEl>
-                                          <p:spTgt spid="221"/>
-                                        </p:tgtEl>
-                                        <p:attrNameLst>
-                                          <p:attrName>style.visibility</p:attrName>
-                                        </p:attrNameLst>
-                                      </p:cBhvr>
-                                      <p:to>
-                                        <p:strVal val="visible"/>
-                                      </p:to>
-                                    </p:set>
-                                  </p:childTnLst>
-                                </p:cTn>
-                              </p:par>
-                            </p:childTnLst>
-                          </p:cTn>
-                        </p:par>
-                      </p:childTnLst>
-                    </p:cTn>
-                  </p:par>
-                </p:childTnLst>
-              </p:cTn>
-              <p:prevCondLst>
-                <p:cond evt="onPrev">
-                  <p:tgtEl>
-                    <p:sldTgt/>
-                  </p:tgtEl>
-                </p:cond>
-              </p:prevCondLst>
-              <p:nextCondLst>
-                <p:cond evt="onNext">
-                  <p:tgtEl>
-                    <p:sldTgt/>
-                  </p:tgtEl>
-                </p:cond>
-              </p:nextCondLst>
-            </p:seq>
-          </p:childTnLst>
-        </p:cTn>
-      </p:par>
-    </p:tnLst>
-    <p:bldLst>
-      <p:bldP build="whole" bldLvl="1" animBg="1" rev="0" advAuto="0" spid="220" grpId="1"/>
-      <p:bldP build="whole" bldLvl="1" animBg="1" rev="0" advAuto="0" spid="221" grpId="2"/>
-    </p:bldLst>
-  </p:timing>
-</p:sld>
-</file>
-
-<file path=ppt/slides/slide7.xml><?xml version="1.0" encoding="utf-8"?>
-<p:sld xmlns:a="http://schemas.openxmlformats.org/drawingml/2006/main" xmlns:r="http://schemas.openxmlformats.org/officeDocument/2006/relationships" xmlns:p="http://schemas.openxmlformats.org/presentationml/2006/main" xmlns:m="http://schemas.openxmlformats.org/officeDocument/2006/math" xmlns:a14="http://schemas.microsoft.com/office/drawing/2010/main" showMasterSp="1" showMasterPhAnim="1">
-  <p:cSld>
-    <p:spTree>
-      <p:nvGrpSpPr>
-        <p:cNvPr id="1" name=""/>
-        <p:cNvGrpSpPr/>
-        <p:nvPr/>
-      </p:nvGrpSpPr>
-      <p:grpSpPr>
-        <a:xfrm>
-          <a:off x="0" y="0"/>
-          <a:ext cx="0" cy="0"/>
-          <a:chOff x="0" y="0"/>
-          <a:chExt cx="0" cy="0"/>
-        </a:xfrm>
-      </p:grpSpPr>
-      <p:sp>
-        <p:nvSpPr>
-          <p:cNvPr id="225" name="Why do you think it’s important to find the cofactor and minor of a matrix (think back to framing)?…"/>
-          <p:cNvSpPr txBox="1"/>
-          <p:nvPr/>
-        </p:nvSpPr>
-        <p:spPr>
-          <a:xfrm>
-            <a:off x="778973" y="1600200"/>
-            <a:ext cx="3278433" cy="1079500"/>
-          </a:xfrm>
-          <a:prstGeom prst="rect">
-            <a:avLst/>
-          </a:prstGeom>
-          <a:ln w="12700">
-            <a:miter lim="400000"/>
-          </a:ln>
-          <a:extLst>
-            <a:ext uri="{C572A759-6A51-4108-AA02-DFA0A04FC94B}">
-              <ma14:wrappingTextBoxFlag xmlns:ma14="http://schemas.microsoft.com/office/mac/drawingml/2011/main" val="1"/>
-            </a:ext>
-          </a:extLst>
-        </p:spPr>
-        <p:txBody>
-          <a:bodyPr lIns="0" tIns="0" rIns="0" bIns="0">
-            <a:spAutoFit/>
-          </a:bodyPr>
-          <a:lstStyle/>
-          <a:p>
-            <a:pPr marL="187157" indent="-187157">
-              <a:buSzPct val="100000"/>
-              <a:buAutoNum type="arabicPeriod" startAt="1"/>
-            </a:pPr>
-            <a:r>
-              <a:t>Why do you think it’s important to find the cofactor and minor of a matrix (think back to framing)?</a:t>
-            </a:r>
-          </a:p>
-          <a:p>
-            <a:pPr marL="187157" indent="-187157">
-              <a:buSzPct val="100000"/>
-              <a:buAutoNum type="arabicPeriod" startAt="1"/>
-            </a:pPr>
-            <a:r>
-              <a:t>What’s one thing you’d like to understand better after today’s lesson?</a:t>
-            </a:r>
-          </a:p>
-        </p:txBody>
-      </p:sp>
-      <p:pic>
-        <p:nvPicPr>
-          <p:cNvPr id="226" name="Image" descr="Image"/>
-          <p:cNvPicPr>
-            <a:picLocks noChangeAspect="1"/>
-          </p:cNvPicPr>
-          <p:nvPr/>
-        </p:nvPicPr>
-        <p:blipFill>
-          <a:blip r:embed="rId3">
-            <a:extLst/>
-          </a:blip>
-          <a:stretch>
-            <a:fillRect/>
-          </a:stretch>
-        </p:blipFill>
-        <p:spPr>
-          <a:xfrm>
-            <a:off x="4616052" y="1554712"/>
-            <a:ext cx="3053022" cy="2034076"/>
-          </a:xfrm>
-          <a:prstGeom prst="rect">
-            <a:avLst/>
-          </a:prstGeom>
-          <a:ln w="12700">
-            <a:miter lim="400000"/>
-          </a:ln>
-        </p:spPr>
-      </p:pic>
-      <p:sp>
-        <p:nvSpPr>
-          <p:cNvPr id="227" name="Reflection: Thinking about thinking…"/>
-          <p:cNvSpPr txBox="1"/>
-          <p:nvPr/>
-        </p:nvSpPr>
-        <p:spPr>
-          <a:xfrm>
-            <a:off x="1404467" y="357128"/>
-            <a:ext cx="7302728" cy="939691"/>
-          </a:xfrm>
-          <a:prstGeom prst="rect">
-            <a:avLst/>
-          </a:prstGeom>
-          <a:solidFill>
-            <a:srgbClr val="FFFFFF"/>
-          </a:solidFill>
-          <a:ln w="25400">
-            <a:solidFill>
-              <a:schemeClr val="accent1"/>
-            </a:solidFill>
-          </a:ln>
-          <a:extLst>
-            <a:ext uri="{C572A759-6A51-4108-AA02-DFA0A04FC94B}">
-              <ma14:wrappingTextBoxFlag xmlns:ma14="http://schemas.microsoft.com/office/mac/drawingml/2011/main" val="1"/>
-            </a:ext>
-          </a:extLst>
-        </p:spPr>
-        <p:txBody>
-          <a:bodyPr lIns="91422" tIns="91422" rIns="91422" bIns="91422">
-            <a:normAutofit fontScale="100000" lnSpcReduction="0"/>
-          </a:bodyPr>
-          <a:lstStyle/>
-          <a:p>
-            <a:pPr defTabSz="813816">
-              <a:defRPr sz="2100">
-                <a:latin typeface="+mn-lt"/>
-                <a:ea typeface="+mn-ea"/>
-                <a:cs typeface="+mn-cs"/>
-                <a:sym typeface="Arial"/>
-              </a:defRPr>
-            </a:pPr>
-            <a:r>
-              <a:t>Reflection: Thinking about thinking</a:t>
-            </a:r>
-          </a:p>
-          <a:p>
-            <a:pPr defTabSz="813816">
-              <a:defRPr sz="1200">
-                <a:solidFill>
-                  <a:schemeClr val="accent5"/>
-                </a:solidFill>
-              </a:defRPr>
-            </a:pPr>
-            <a:r>
-              <a:t>be sure to:</a:t>
-            </a:r>
-            <a:r>
-              <a:rPr>
-                <a:solidFill>
-                  <a:schemeClr val="accent5">
-                    <a:lumOff val="-9843"/>
-                  </a:schemeClr>
-                </a:solidFill>
-              </a:rPr>
-              <a:t> </a:t>
-            </a:r>
-            <a:r>
-              <a:rPr>
-                <a:solidFill>
-                  <a:schemeClr val="accent3">
-                    <a:lumOff val="-9098"/>
-                  </a:schemeClr>
-                </a:solidFill>
-              </a:rPr>
-              <a:t>Answer each question below with a complete sentence. Be prepared to share out!</a:t>
-            </a:r>
-          </a:p>
-        </p:txBody>
-      </p:sp>
-    </p:spTree>
-  </p:cSld>
-  <p:clrMapOvr>
-    <a:masterClrMapping/>
-  </p:clrMapOvr>
-  <p:transition xmlns:p14="http://schemas.microsoft.com/office/powerpoint/2010/main" spd="med" advClick="1"/>
-  <p:timing>
-    <p:tnLst>
-      <p:par>
-        <p:cTn id="1" nodeType="tmRoot" restart="never" dur="indefinite" fill="hold">
-          <p:childTnLst>
-            <p:seq concurrent="1" prevAc="none" nextAc="seek">
-              <p:cTn id="2" nodeType="mainSeq" dur="indefinite" fill="hold">
-                <p:childTnLst>
-                  <p:par>
-                    <p:cTn id="3" fill="hold">
-                      <p:stCondLst>
-                        <p:cond delay="indefinite"/>
-                      </p:stCondLst>
-                      <p:childTnLst>
-                        <p:par>
-                          <p:cTn id="4" fill="hold">
-                            <p:stCondLst>
-                              <p:cond delay="0"/>
-                            </p:stCondLst>
-                            <p:childTnLst>
-                              <p:par>
-                                <p:cTn id="5" presetClass="entr" nodeType="clickEffect" presetSubtype="0" presetID="1" grpId="1" fill="hold">
-                                  <p:stCondLst>
-                                    <p:cond delay="0"/>
-                                  </p:stCondLst>
-                                  <p:iterate type="el" backwards="0">
-                                    <p:tmAbs val="0"/>
-                                  </p:iterate>
-                                  <p:childTnLst>
-                                    <p:set>
-                                      <p:cBhvr>
-                                        <p:cTn id="6" fill="hold"/>
-                                        <p:tgtEl>
-                                          <p:spTgt spid="225">
+                                          <p:spTgt spid="208">
                                             <p:bg/>
                                           </p:spTgt>
                                         </p:tgtEl>
@@ -10077,7 +8532,7 @@
                                       <p:cBhvr>
                                         <p:cTn id="8" fill="hold"/>
                                         <p:tgtEl>
-                                          <p:spTgt spid="225">
+                                          <p:spTgt spid="208">
                                             <p:txEl>
                                               <p:pRg st="0" end="0"/>
                                             </p:txEl>
@@ -10125,7 +8580,7 @@
                                       <p:cBhvr>
                                         <p:cTn id="12" fill="hold"/>
                                         <p:tgtEl>
-                                          <p:spTgt spid="225">
+                                          <p:spTgt spid="208">
                                             <p:txEl>
                                               <p:pRg st="1" end="1"/>
                                             </p:txEl>
@@ -10170,13 +8625,13 @@
       </p:par>
     </p:tnLst>
     <p:bldLst>
-      <p:bldP build="p" bldLvl="5" animBg="1" rev="0" advAuto="0" spid="225" grpId="1"/>
+      <p:bldP build="p" bldLvl="5" animBg="1" rev="0" advAuto="0" spid="208" grpId="1"/>
     </p:bldLst>
   </p:timing>
 </p:sld>
 </file>
 
-<file path=ppt/slides/slide8.xml><?xml version="1.0" encoding="utf-8"?>
+<file path=ppt/slides/slide6.xml><?xml version="1.0" encoding="utf-8"?>
 <p:sld xmlns:a="http://schemas.openxmlformats.org/drawingml/2006/main" xmlns:r="http://schemas.openxmlformats.org/officeDocument/2006/relationships" xmlns:p="http://schemas.openxmlformats.org/presentationml/2006/main" xmlns:m="http://schemas.openxmlformats.org/officeDocument/2006/math" xmlns:a14="http://schemas.microsoft.com/office/drawing/2010/main" showMasterSp="1" showMasterPhAnim="1">
   <p:cSld>
     <p:spTree>
@@ -10195,7 +8650,7 @@
       </p:grpSpPr>
       <p:sp>
         <p:nvSpPr>
-          <p:cNvPr id="231" name="Google Shape;119;p19"/>
+          <p:cNvPr id="214" name="Google Shape;119;p19"/>
           <p:cNvSpPr txBox="1"/>
           <p:nvPr/>
         </p:nvSpPr>
@@ -10309,7 +8764,7 @@
       </p:sp>
       <p:grpSp>
         <p:nvGrpSpPr>
-          <p:cNvPr id="234" name="Google Shape;118;p19"/>
+          <p:cNvPr id="217" name="Google Shape;118;p19"/>
           <p:cNvGrpSpPr/>
           <p:nvPr/>
         </p:nvGrpSpPr>
@@ -10323,7 +8778,7 @@
         </p:grpSpPr>
         <p:sp>
           <p:nvSpPr>
-            <p:cNvPr id="232" name="Rectangle"/>
+            <p:cNvPr id="215" name="Rectangle"/>
             <p:cNvSpPr/>
             <p:nvPr/>
           </p:nvSpPr>
@@ -10367,7 +8822,7 @@
         </p:sp>
         <p:sp>
           <p:nvSpPr>
-            <p:cNvPr id="233" name="wrapping up!…"/>
+            <p:cNvPr id="216" name="wrapping up!…"/>
             <p:cNvSpPr txBox="1"/>
             <p:nvPr/>
           </p:nvSpPr>
@@ -10444,7 +8899,7 @@
       </p:grpSp>
       <p:pic>
         <p:nvPicPr>
-          <p:cNvPr id="235" name="Image" descr="Image"/>
+          <p:cNvPr id="218" name="Image" descr="Image"/>
           <p:cNvPicPr>
             <a:picLocks noChangeAspect="1"/>
           </p:cNvPicPr>
